--- a/automorphisms/WODB-JCDL-workshop.pptx
+++ b/automorphisms/WODB-JCDL-workshop.pptx
@@ -5,7 +5,7 @@
     <p:sldMasterId id="2147483648" r:id="rId1"/>
   </p:sldMasterIdLst>
   <p:notesMasterIdLst>
-    <p:notesMasterId r:id="rId21"/>
+    <p:notesMasterId r:id="rId24"/>
   </p:notesMasterIdLst>
   <p:sldIdLst>
     <p:sldId id="281" r:id="rId2"/>
@@ -25,8 +25,11 @@
     <p:sldId id="277" r:id="rId16"/>
     <p:sldId id="294" r:id="rId17"/>
     <p:sldId id="269" r:id="rId18"/>
-    <p:sldId id="262" r:id="rId19"/>
-    <p:sldId id="271" r:id="rId20"/>
+    <p:sldId id="271" r:id="rId19"/>
+    <p:sldId id="296" r:id="rId20"/>
+    <p:sldId id="258" r:id="rId21"/>
+    <p:sldId id="261" r:id="rId22"/>
+    <p:sldId id="295" r:id="rId23"/>
   </p:sldIdLst>
   <p:sldSz cx="12192000" cy="6858000"/>
   <p:notesSz cx="6858000" cy="9144000"/>
@@ -215,7 +218,7 @@
           <a:p>
             <a:fld id="{F352BFEB-529B-5B4E-B2A3-75A70A3B81DC}" type="datetimeFigureOut">
               <a:rPr lang="en-US" smtClean="0"/>
-              <a:t>8/1/20</a:t>
+              <a:t>8/2/20</a:t>
             </a:fld>
             <a:endParaRPr lang="en-US"/>
           </a:p>
@@ -656,6 +659,180 @@
 </p:notes>
 </file>
 
+<file path=ppt/notesSlides/notesSlide10.xml><?xml version="1.0" encoding="utf-8"?>
+<p:notes xmlns:a="http://schemas.openxmlformats.org/drawingml/2006/main" xmlns:r="http://schemas.openxmlformats.org/officeDocument/2006/relationships" xmlns:p="http://schemas.openxmlformats.org/presentationml/2006/main">
+  <p:cSld>
+    <p:spTree>
+      <p:nvGrpSpPr>
+        <p:cNvPr id="1" name=""/>
+        <p:cNvGrpSpPr/>
+        <p:nvPr/>
+      </p:nvGrpSpPr>
+      <p:grpSpPr>
+        <a:xfrm>
+          <a:off x="0" y="0"/>
+          <a:ext cx="0" cy="0"/>
+          <a:chOff x="0" y="0"/>
+          <a:chExt cx="0" cy="0"/>
+        </a:xfrm>
+      </p:grpSpPr>
+      <p:sp>
+        <p:nvSpPr>
+          <p:cNvPr id="2" name="Slide Image Placeholder 1"/>
+          <p:cNvSpPr>
+            <a:spLocks noGrp="1" noRot="1" noChangeAspect="1"/>
+          </p:cNvSpPr>
+          <p:nvPr>
+            <p:ph type="sldImg"/>
+          </p:nvPr>
+        </p:nvSpPr>
+        <p:spPr/>
+      </p:sp>
+      <p:sp>
+        <p:nvSpPr>
+          <p:cNvPr id="3" name="Notes Placeholder 2"/>
+          <p:cNvSpPr>
+            <a:spLocks noGrp="1"/>
+          </p:cNvSpPr>
+          <p:nvPr>
+            <p:ph type="body" idx="1"/>
+          </p:nvPr>
+        </p:nvSpPr>
+        <p:spPr/>
+        <p:txBody>
+          <a:bodyPr/>
+          <a:lstStyle/>
+          <a:p>
+            <a:r>
+              <a:rPr lang="en-US" dirty="0"/>
+              <a:t>The dialogue needs to be continued, I think .. </a:t>
+            </a:r>
+          </a:p>
+        </p:txBody>
+      </p:sp>
+      <p:sp>
+        <p:nvSpPr>
+          <p:cNvPr id="4" name="Slide Number Placeholder 3"/>
+          <p:cNvSpPr>
+            <a:spLocks noGrp="1"/>
+          </p:cNvSpPr>
+          <p:nvPr>
+            <p:ph type="sldNum" sz="quarter" idx="5"/>
+          </p:nvPr>
+        </p:nvSpPr>
+        <p:spPr/>
+        <p:txBody>
+          <a:bodyPr/>
+          <a:lstStyle/>
+          <a:p>
+            <a:fld id="{E7EC19A3-AC65-4B48-9D18-637C19446F37}" type="slidenum">
+              <a:rPr lang="en-US" smtClean="0"/>
+              <a:t>16</a:t>
+            </a:fld>
+            <a:endParaRPr lang="en-US"/>
+          </a:p>
+        </p:txBody>
+      </p:sp>
+    </p:spTree>
+    <p:extLst>
+      <p:ext uri="{BB962C8B-B14F-4D97-AF65-F5344CB8AC3E}">
+        <p14:creationId xmlns:p14="http://schemas.microsoft.com/office/powerpoint/2010/main" val="3536226576"/>
+      </p:ext>
+    </p:extLst>
+  </p:cSld>
+  <p:clrMapOvr>
+    <a:masterClrMapping/>
+  </p:clrMapOvr>
+</p:notes>
+</file>
+
+<file path=ppt/notesSlides/notesSlide11.xml><?xml version="1.0" encoding="utf-8"?>
+<p:notes xmlns:a="http://schemas.openxmlformats.org/drawingml/2006/main" xmlns:r="http://schemas.openxmlformats.org/officeDocument/2006/relationships" xmlns:p="http://schemas.openxmlformats.org/presentationml/2006/main">
+  <p:cSld>
+    <p:spTree>
+      <p:nvGrpSpPr>
+        <p:cNvPr id="1" name=""/>
+        <p:cNvGrpSpPr/>
+        <p:nvPr/>
+      </p:nvGrpSpPr>
+      <p:grpSpPr>
+        <a:xfrm>
+          <a:off x="0" y="0"/>
+          <a:ext cx="0" cy="0"/>
+          <a:chOff x="0" y="0"/>
+          <a:chExt cx="0" cy="0"/>
+        </a:xfrm>
+      </p:grpSpPr>
+      <p:sp>
+        <p:nvSpPr>
+          <p:cNvPr id="2" name="Slide Image Placeholder 1"/>
+          <p:cNvSpPr>
+            <a:spLocks noGrp="1" noRot="1" noChangeAspect="1"/>
+          </p:cNvSpPr>
+          <p:nvPr>
+            <p:ph type="sldImg"/>
+          </p:nvPr>
+        </p:nvSpPr>
+        <p:spPr/>
+      </p:sp>
+      <p:sp>
+        <p:nvSpPr>
+          <p:cNvPr id="3" name="Notes Placeholder 2"/>
+          <p:cNvSpPr>
+            <a:spLocks noGrp="1"/>
+          </p:cNvSpPr>
+          <p:nvPr>
+            <p:ph type="body" idx="1"/>
+          </p:nvPr>
+        </p:nvSpPr>
+        <p:spPr/>
+        <p:txBody>
+          <a:bodyPr/>
+          <a:lstStyle/>
+          <a:p>
+            <a:r>
+              <a:rPr lang="en-US" dirty="0"/>
+              <a:t>Here is a glimpse of the argument that B makes to M: your trick assumes the right choice of characters … else you can’t pick out the outlier.. </a:t>
+            </a:r>
+          </a:p>
+        </p:txBody>
+      </p:sp>
+      <p:sp>
+        <p:nvSpPr>
+          <p:cNvPr id="4" name="Slide Number Placeholder 3"/>
+          <p:cNvSpPr>
+            <a:spLocks noGrp="1"/>
+          </p:cNvSpPr>
+          <p:nvPr>
+            <p:ph type="sldNum" sz="quarter" idx="5"/>
+          </p:nvPr>
+        </p:nvSpPr>
+        <p:spPr/>
+        <p:txBody>
+          <a:bodyPr/>
+          <a:lstStyle/>
+          <a:p>
+            <a:fld id="{E7EC19A3-AC65-4B48-9D18-637C19446F37}" type="slidenum">
+              <a:rPr lang="en-US" smtClean="0"/>
+              <a:t>17</a:t>
+            </a:fld>
+            <a:endParaRPr lang="en-US"/>
+          </a:p>
+        </p:txBody>
+      </p:sp>
+    </p:spTree>
+    <p:extLst>
+      <p:ext uri="{BB962C8B-B14F-4D97-AF65-F5344CB8AC3E}">
+        <p14:creationId xmlns:p14="http://schemas.microsoft.com/office/powerpoint/2010/main" val="3599822557"/>
+      </p:ext>
+    </p:extLst>
+  </p:cSld>
+  <p:clrMapOvr>
+    <a:masterClrMapping/>
+  </p:clrMapOvr>
+</p:notes>
+</file>
+
 <file path=ppt/notesSlides/notesSlide2.xml><?xml version="1.0" encoding="utf-8"?>
 <p:notes xmlns:a="http://schemas.openxmlformats.org/drawingml/2006/main" xmlns:r="http://schemas.openxmlformats.org/officeDocument/2006/relationships" xmlns:p="http://schemas.openxmlformats.org/presentationml/2006/main">
   <p:cSld>
@@ -700,72 +877,7 @@
           <a:bodyPr/>
           <a:lstStyle/>
           <a:p>
-            <a:r>
-              <a:rPr lang="en-US" dirty="0"/>
-              <a:t>WODB: Which ones doesn’t belong?</a:t>
-            </a:r>
-          </a:p>
-          <a:p>
-            <a:r>
-              <a:rPr lang="en-US" dirty="0"/>
-              <a:t>First, the four figures are distinguishable (unless one is red-green colorblind .. see later) only in one property: color.</a:t>
-            </a:r>
-          </a:p>
-          <a:p>
-            <a:r>
-              <a:rPr lang="en-US" dirty="0"/>
-              <a:t>We </a:t>
-            </a:r>
-            <a:r>
-              <a:rPr lang="en-US" b="1" dirty="0"/>
-              <a:t>model</a:t>
-            </a:r>
-            <a:r>
-              <a:rPr lang="en-US" dirty="0"/>
-              <a:t> what is </a:t>
-            </a:r>
-            <a:r>
-              <a:rPr lang="en-US" b="1" dirty="0"/>
-              <a:t>observable </a:t>
-            </a:r>
-            <a:r>
-              <a:rPr lang="en-US" b="0" dirty="0"/>
-              <a:t>about figures using properties (color, shape, size) and values.</a:t>
-            </a:r>
-          </a:p>
-          <a:p>
-            <a:r>
-              <a:rPr lang="en-US" dirty="0"/>
-              <a:t>We can then formalize and solve the WODB problem using a database </a:t>
-            </a:r>
-            <a:r>
-              <a:rPr lang="en-US" b="1" dirty="0"/>
-              <a:t>query</a:t>
-            </a:r>
-            <a:r>
-              <a:rPr lang="en-US" dirty="0"/>
-              <a:t>: </a:t>
-            </a:r>
-          </a:p>
-          <a:p>
-            <a:r>
-              <a:rPr lang="en-US" dirty="0"/>
-              <a:t>Here we use the query that asks: what property(s) X have a property P with value V that is unique?</a:t>
-            </a:r>
-          </a:p>
-          <a:p>
-            <a:r>
-              <a:rPr lang="en-US" dirty="0"/>
-              <a:t>The answer is (unsurprisingly): figure 2 – it is the only figure that is unique </a:t>
-            </a:r>
-            <a:r>
-              <a:rPr lang="en-US" dirty="0" err="1"/>
-              <a:t>w.r.t</a:t>
-            </a:r>
-            <a:r>
-              <a:rPr lang="en-US" dirty="0"/>
-              <a:t>. a property (color) and value (green).</a:t>
-            </a:r>
+            <a:endParaRPr lang="en-US" dirty="0"/>
           </a:p>
         </p:txBody>
       </p:sp>
@@ -851,7 +963,25 @@
           <a:p>
             <a:r>
               <a:rPr lang="en-US" dirty="0"/>
-              <a:t>This WODB problem is similarly “obvious”: </a:t>
+              <a:t>This WODB problem is similarly “obvious”: Here, in Ex.2, fig1 and fig4 (the two red squares) are indistinguishable, i.e., no matter what query Q you run, you either get both figures or none of the two.</a:t>
+            </a:r>
+          </a:p>
+          <a:p>
+            <a:r>
+              <a:rPr lang="en-US" dirty="0"/>
+              <a:t>Both fig2 and fig3 can be picked out with special query, e.g., “is there a blue box?” yields fig2.</a:t>
+            </a:r>
+          </a:p>
+          <a:p>
+            <a:r>
+              <a:rPr lang="en-US" dirty="0"/>
+              <a:t>However only fig3 is unique in the sense defined by the given query (it’s the only circle).</a:t>
+            </a:r>
+          </a:p>
+          <a:p>
+            <a:r>
+              <a:rPr lang="en-US" dirty="0"/>
+              <a:t>In contrast, fig2 is neither the only box, nor they only blue figure.</a:t>
             </a:r>
           </a:p>
         </p:txBody>
@@ -1310,11 +1440,13 @@
           <a:p>
             <a:r>
               <a:rPr lang="en-US" dirty="0"/>
-              <a:t>Variant: for red-green color blind people: change all colors to grey and see what </a:t>
-            </a:r>
-            <a:r>
-              <a:rPr lang="en-US"/>
-              <a:t>you get!</a:t>
+              <a:t>The challenge example: almost every figure is unique. Only one figure isn’t. That makes it “uniquely non-unique” ;-)</a:t>
+            </a:r>
+          </a:p>
+          <a:p>
+            <a:r>
+              <a:rPr lang="en-US" dirty="0"/>
+              <a:t>Just like in the koan .. </a:t>
             </a:r>
           </a:p>
         </p:txBody>
@@ -1401,11 +1533,13 @@
           <a:p>
             <a:r>
               <a:rPr lang="en-US" dirty="0"/>
-              <a:t>Variant: for red-green color blind people: change all colors to grey and see what </a:t>
-            </a:r>
-            <a:r>
-              <a:rPr lang="en-US"/>
-              <a:t>you get!</a:t>
+              <a:t>If everyone is “special” (with some uniqueness argument), then the only non-special (”most normal” / “most boring”) figure is ”meta-special” ..</a:t>
+            </a:r>
+          </a:p>
+          <a:p>
+            <a:r>
+              <a:rPr lang="en-US" dirty="0"/>
+              <a:t>That’s Fig. 4 here … </a:t>
             </a:r>
           </a:p>
         </p:txBody>
@@ -1490,6 +1624,32 @@
           <a:bodyPr/>
           <a:lstStyle/>
           <a:p>
+            <a:r>
+              <a:rPr lang="en-US" dirty="0"/>
+              <a:t>This might be </a:t>
+            </a:r>
+            <a:r>
+              <a:rPr lang="en-US" i="1" dirty="0"/>
+              <a:t>too</a:t>
+            </a:r>
+            <a:r>
+              <a:rPr lang="en-US" dirty="0"/>
+              <a:t> meta … </a:t>
+            </a:r>
+          </a:p>
+          <a:p>
+            <a:r>
+              <a:rPr lang="en-US" dirty="0"/>
+              <a:t>Maybe the lower left is outlier, since it has 2 special/unique and 2 non-special/normal figures.</a:t>
+            </a:r>
+          </a:p>
+          <a:p>
+            <a:r>
+              <a:rPr lang="en-US" dirty="0"/>
+              <a:t>Or the lower right (my favorite) since it has 3 special and 1 meta-special figure..</a:t>
+            </a:r>
+          </a:p>
+          <a:p>
             <a:endParaRPr lang="en-US" dirty="0"/>
           </a:p>
         </p:txBody>
@@ -1511,7 +1671,7 @@
           <a:p>
             <a:fld id="{E7EC19A3-AC65-4B48-9D18-637C19446F37}" type="slidenum">
               <a:rPr lang="en-US" smtClean="0"/>
-              <a:t>15</a:t>
+              <a:t>14</a:t>
             </a:fld>
             <a:endParaRPr lang="en-US"/>
           </a:p>
@@ -1520,7 +1680,7 @@
     </p:spTree>
     <p:extLst>
       <p:ext uri="{BB962C8B-B14F-4D97-AF65-F5344CB8AC3E}">
-        <p14:creationId xmlns:p14="http://schemas.microsoft.com/office/powerpoint/2010/main" val="824500596"/>
+        <p14:creationId xmlns:p14="http://schemas.microsoft.com/office/powerpoint/2010/main" val="1104090586"/>
       </p:ext>
     </p:extLst>
   </p:cSld>
@@ -1574,14 +1734,7 @@
           <a:bodyPr/>
           <a:lstStyle/>
           <a:p>
-            <a:r>
-              <a:rPr lang="en-US" dirty="0"/>
-              <a:t>Variant: for red-green color blind people: change all colors to grey and see what </a:t>
-            </a:r>
-            <a:r>
-              <a:rPr lang="en-US"/>
-              <a:t>you get!</a:t>
-            </a:r>
+            <a:endParaRPr lang="en-US" dirty="0"/>
           </a:p>
         </p:txBody>
       </p:sp>
@@ -1602,7 +1755,7 @@
           <a:p>
             <a:fld id="{E7EC19A3-AC65-4B48-9D18-637C19446F37}" type="slidenum">
               <a:rPr lang="en-US" smtClean="0"/>
-              <a:t>17</a:t>
+              <a:t>15</a:t>
             </a:fld>
             <a:endParaRPr lang="en-US"/>
           </a:p>
@@ -1611,7 +1764,7 @@
     </p:spTree>
     <p:extLst>
       <p:ext uri="{BB962C8B-B14F-4D97-AF65-F5344CB8AC3E}">
-        <p14:creationId xmlns:p14="http://schemas.microsoft.com/office/powerpoint/2010/main" val="3599822557"/>
+        <p14:creationId xmlns:p14="http://schemas.microsoft.com/office/powerpoint/2010/main" val="824500596"/>
       </p:ext>
     </p:extLst>
   </p:cSld>
@@ -1768,7 +1921,7 @@
           <a:p>
             <a:fld id="{D9568EDD-8CDB-9E44-8917-A8C43F4597EE}" type="datetime1">
               <a:rPr lang="en-US" smtClean="0"/>
-              <a:t>8/1/20</a:t>
+              <a:t>8/2/20</a:t>
             </a:fld>
             <a:endParaRPr lang="en-US"/>
           </a:p>
@@ -1966,7 +2119,7 @@
           <a:p>
             <a:fld id="{99A49881-33B4-3142-8BB8-079F9F318585}" type="datetime1">
               <a:rPr lang="en-US" smtClean="0"/>
-              <a:t>8/1/20</a:t>
+              <a:t>8/2/20</a:t>
             </a:fld>
             <a:endParaRPr lang="en-US"/>
           </a:p>
@@ -2174,7 +2327,7 @@
           <a:p>
             <a:fld id="{023A46A8-E9B1-B74F-8347-9E61ED81D139}" type="datetime1">
               <a:rPr lang="en-US" smtClean="0"/>
-              <a:t>8/1/20</a:t>
+              <a:t>8/2/20</a:t>
             </a:fld>
             <a:endParaRPr lang="en-US"/>
           </a:p>
@@ -2372,7 +2525,7 @@
           <a:p>
             <a:fld id="{4E0AE9E1-0A23-864C-8FE2-B14AE79D64A1}" type="datetime1">
               <a:rPr lang="en-US" smtClean="0"/>
-              <a:t>8/1/20</a:t>
+              <a:t>8/2/20</a:t>
             </a:fld>
             <a:endParaRPr lang="en-US"/>
           </a:p>
@@ -2647,7 +2800,7 @@
           <a:p>
             <a:fld id="{D06D66FD-D765-9245-9368-1CE32C5A0A7C}" type="datetime1">
               <a:rPr lang="en-US" smtClean="0"/>
-              <a:t>8/1/20</a:t>
+              <a:t>8/2/20</a:t>
             </a:fld>
             <a:endParaRPr lang="en-US"/>
           </a:p>
@@ -2912,7 +3065,7 @@
           <a:p>
             <a:fld id="{2D9CA0E2-B0EF-BB4C-886A-7E975EB0E054}" type="datetime1">
               <a:rPr lang="en-US" smtClean="0"/>
-              <a:t>8/1/20</a:t>
+              <a:t>8/2/20</a:t>
             </a:fld>
             <a:endParaRPr lang="en-US"/>
           </a:p>
@@ -3324,7 +3477,7 @@
           <a:p>
             <a:fld id="{399659C8-7813-6A48-BF73-A230AE29F4F9}" type="datetime1">
               <a:rPr lang="en-US" smtClean="0"/>
-              <a:t>8/1/20</a:t>
+              <a:t>8/2/20</a:t>
             </a:fld>
             <a:endParaRPr lang="en-US"/>
           </a:p>
@@ -3465,7 +3618,7 @@
           <a:p>
             <a:fld id="{4F3B3A78-6309-1D45-8583-D25BE30C3186}" type="datetime1">
               <a:rPr lang="en-US" smtClean="0"/>
-              <a:t>8/1/20</a:t>
+              <a:t>8/2/20</a:t>
             </a:fld>
             <a:endParaRPr lang="en-US"/>
           </a:p>
@@ -3578,7 +3731,7 @@
           <a:p>
             <a:fld id="{FD958000-9F05-DF41-AC68-797FC1813172}" type="datetime1">
               <a:rPr lang="en-US" smtClean="0"/>
-              <a:t>8/1/20</a:t>
+              <a:t>8/2/20</a:t>
             </a:fld>
             <a:endParaRPr lang="en-US"/>
           </a:p>
@@ -3889,7 +4042,7 @@
           <a:p>
             <a:fld id="{BA13A674-D968-3A49-913D-5DB9D687EB5B}" type="datetime1">
               <a:rPr lang="en-US" smtClean="0"/>
-              <a:t>8/1/20</a:t>
+              <a:t>8/2/20</a:t>
             </a:fld>
             <a:endParaRPr lang="en-US"/>
           </a:p>
@@ -4177,7 +4330,7 @@
           <a:p>
             <a:fld id="{9237020C-778A-1945-B033-73ED6BE7DF9A}" type="datetime1">
               <a:rPr lang="en-US" smtClean="0"/>
-              <a:t>8/1/20</a:t>
+              <a:t>8/2/20</a:t>
             </a:fld>
             <a:endParaRPr lang="en-US"/>
           </a:p>
@@ -4418,7 +4571,7 @@
           <a:p>
             <a:fld id="{670EAABD-2380-0449-B744-CA1B3DDF3B78}" type="datetime1">
               <a:rPr lang="en-US" smtClean="0"/>
-              <a:t>8/1/20</a:t>
+              <a:t>8/2/20</a:t>
             </a:fld>
             <a:endParaRPr lang="en-US"/>
           </a:p>
@@ -4962,7 +5115,7 @@
           <p:nvPr/>
         </p:nvPicPr>
         <mc:AlternateContent xmlns:mc="http://schemas.openxmlformats.org/markup-compatibility/2006">
-          <mc:Choice xmlns="" xmlns:mv="urn:schemas-microsoft-com:mac:vml" xmlns:ma="http://schemas.microsoft.com/office/mac/drawingml/2008/main" Requires="ma">
+          <mc:Choice xmlns:ma="http://schemas.microsoft.com/office/mac/drawingml/2008/main" xmlns:mv="urn:schemas-microsoft-com:mac:vml" xmlns="" Requires="ma">
             <p:blipFill>
               <a:blip r:embed="rId7"/>
               <a:stretch>
@@ -5026,13 +5179,10 @@
                 </a:solidFill>
                 <a:latin typeface="Helvetica" pitchFamily="2" charset="0"/>
               </a:rPr>
-              <a:t>JCDL 2020 Workshop on </a:t>
-            </a:r>
-          </a:p>
-          <a:p>
-            <a:pPr algn="r"/>
-            <a:r>
-              <a:rPr lang="en-US" sz="1400" i="1" dirty="0">
+              <a:t>JCDL </a:t>
+            </a:r>
+            <a:r>
+              <a:rPr lang="en-US" sz="1400" b="1" i="1" dirty="0">
                 <a:solidFill>
                   <a:schemeClr val="bg1">
                     <a:lumMod val="65000"/>
@@ -5040,32 +5190,42 @@
                 </a:solidFill>
                 <a:latin typeface="Helvetica" pitchFamily="2" charset="0"/>
               </a:rPr>
-              <a:t>Conceptual Modeling. </a:t>
-            </a:r>
-            <a:r>
-              <a:rPr lang="en-US" sz="1400" b="1" i="1" dirty="0">
+              <a:t>SIG</a:t>
+            </a:r>
+            <a:r>
+              <a:rPr lang="en-US" sz="1400" i="1" dirty="0">
                 <a:solidFill>
                   <a:schemeClr val="bg1">
                     <a:lumMod val="65000"/>
                   </a:schemeClr>
                 </a:solidFill>
-                <a:effectLst/>
                 <a:latin typeface="Helvetica" pitchFamily="2" charset="0"/>
               </a:rPr>
-              <a:t>SIG</a:t>
-            </a:r>
-            <a:r>
-              <a:rPr lang="en-US" sz="1400" b="0" i="1" dirty="0">
+              <a:t>CM Workshop on </a:t>
+            </a:r>
+          </a:p>
+          <a:p>
+            <a:pPr algn="r"/>
+            <a:r>
+              <a:rPr lang="en-US" sz="1400" i="1" dirty="0">
                 <a:solidFill>
                   <a:schemeClr val="bg1">
                     <a:lumMod val="65000"/>
                   </a:schemeClr>
                 </a:solidFill>
-                <a:effectLst/>
                 <a:latin typeface="Helvetica" pitchFamily="2" charset="0"/>
               </a:rPr>
-              <a:t>CM</a:t>
-            </a:r>
+              <a:t>Conceptual Modeling </a:t>
+            </a:r>
+            <a:endParaRPr lang="en-US" sz="1400" b="0" i="1" dirty="0">
+              <a:solidFill>
+                <a:schemeClr val="bg1">
+                  <a:lumMod val="65000"/>
+                </a:schemeClr>
+              </a:solidFill>
+              <a:effectLst/>
+              <a:latin typeface="Helvetica" pitchFamily="2" charset="0"/>
+            </a:endParaRPr>
           </a:p>
           <a:p>
             <a:pPr algn="r"/>
@@ -11520,8 +11680,13 @@
           <a:p>
             <a:r>
               <a:rPr lang="en-US" b="1" dirty="0"/>
-              <a:t>3. M’s Story (cont’d) </a:t>
-            </a:r>
+              <a:t>3. M’s Story </a:t>
+            </a:r>
+            <a:r>
+              <a:rPr lang="en-US" sz="4000" i="1" dirty="0"/>
+              <a:t>(cont’d) </a:t>
+            </a:r>
+            <a:endParaRPr lang="en-US" i="1" dirty="0"/>
           </a:p>
         </p:txBody>
       </p:sp>
@@ -11569,7 +11734,7 @@
           <p:nvPr/>
         </p:nvPicPr>
         <p:blipFill>
-          <a:blip r:embed="rId2"/>
+          <a:blip r:embed="rId3"/>
           <a:stretch>
             <a:fillRect/>
           </a:stretch>
@@ -11599,7 +11764,7 @@
           <p:nvPr/>
         </p:nvPicPr>
         <p:blipFill>
-          <a:blip r:embed="rId3"/>
+          <a:blip r:embed="rId4"/>
           <a:stretch>
             <a:fillRect/>
           </a:stretch>
@@ -11629,7 +11794,7 @@
           <p:nvPr/>
         </p:nvPicPr>
         <p:blipFill>
-          <a:blip r:embed="rId4"/>
+          <a:blip r:embed="rId5"/>
           <a:stretch>
             <a:fillRect/>
           </a:stretch>
@@ -12864,255 +13029,10 @@
       </p:grpSpPr>
       <p:sp>
         <p:nvSpPr>
-          <p:cNvPr id="11" name="TextBox 10">
-            <a:extLst>
-              <a:ext uri="{FF2B5EF4-FFF2-40B4-BE49-F238E27FC236}">
-                <a16:creationId xmlns:a16="http://schemas.microsoft.com/office/drawing/2014/main" id="{253527A7-5C4F-094B-8098-55F6913278A2}"/>
-              </a:ext>
-            </a:extLst>
-          </p:cNvPr>
-          <p:cNvSpPr txBox="1"/>
-          <p:nvPr/>
-        </p:nvSpPr>
-        <p:spPr>
-          <a:xfrm>
-            <a:off x="4938630" y="2804383"/>
-            <a:ext cx="830677" cy="923330"/>
-          </a:xfrm>
-          <a:prstGeom prst="rect">
-            <a:avLst/>
-          </a:prstGeom>
-          <a:solidFill>
-            <a:srgbClr val="FF7E79"/>
-          </a:solidFill>
-          <a:ln w="38100">
-            <a:solidFill>
-              <a:schemeClr val="tx1"/>
-            </a:solidFill>
-          </a:ln>
-        </p:spPr>
-        <p:txBody>
-          <a:bodyPr wrap="square" rtlCol="0">
-            <a:spAutoFit/>
-          </a:bodyPr>
-          <a:lstStyle/>
-          <a:p>
-            <a:endParaRPr lang="en-US" dirty="0"/>
-          </a:p>
-          <a:p>
-            <a:r>
-              <a:rPr lang="en-US" dirty="0"/>
-              <a:t>     3     </a:t>
-            </a:r>
-          </a:p>
-          <a:p>
-            <a:endParaRPr lang="en-US" dirty="0"/>
-          </a:p>
-        </p:txBody>
-      </p:sp>
-      <p:sp>
-        <p:nvSpPr>
-          <p:cNvPr id="12" name="TextBox 11">
-            <a:extLst>
-              <a:ext uri="{FF2B5EF4-FFF2-40B4-BE49-F238E27FC236}">
-                <a16:creationId xmlns:a16="http://schemas.microsoft.com/office/drawing/2014/main" id="{9EA00AA2-73B9-E948-9E68-050B724B9C60}"/>
-              </a:ext>
-            </a:extLst>
-          </p:cNvPr>
-          <p:cNvSpPr txBox="1"/>
-          <p:nvPr/>
-        </p:nvSpPr>
-        <p:spPr>
-          <a:xfrm>
-            <a:off x="3690461" y="2756320"/>
-            <a:ext cx="777777" cy="923330"/>
-          </a:xfrm>
-          <a:prstGeom prst="rect">
-            <a:avLst/>
-          </a:prstGeom>
-          <a:solidFill>
-            <a:srgbClr val="06F500"/>
-          </a:solidFill>
-          <a:ln w="38100">
-            <a:solidFill>
-              <a:schemeClr val="tx1"/>
-            </a:solidFill>
-          </a:ln>
-        </p:spPr>
-        <p:txBody>
-          <a:bodyPr wrap="square" rtlCol="0">
-            <a:spAutoFit/>
-          </a:bodyPr>
-          <a:lstStyle/>
-          <a:p>
-            <a:endParaRPr lang="en-US" dirty="0"/>
-          </a:p>
-          <a:p>
-            <a:r>
-              <a:rPr lang="en-US" dirty="0"/>
-              <a:t>     2    </a:t>
-            </a:r>
-          </a:p>
-          <a:p>
-            <a:endParaRPr lang="en-US" dirty="0"/>
-          </a:p>
-        </p:txBody>
-      </p:sp>
-      <p:sp>
-        <p:nvSpPr>
-          <p:cNvPr id="13" name="TextBox 12">
-            <a:extLst>
-              <a:ext uri="{FF2B5EF4-FFF2-40B4-BE49-F238E27FC236}">
-                <a16:creationId xmlns:a16="http://schemas.microsoft.com/office/drawing/2014/main" id="{8D3AB213-02B9-8145-9AD8-1C07AE0776EB}"/>
-              </a:ext>
-            </a:extLst>
-          </p:cNvPr>
-          <p:cNvSpPr txBox="1"/>
-          <p:nvPr/>
-        </p:nvSpPr>
-        <p:spPr>
-          <a:xfrm>
-            <a:off x="6939646" y="2756320"/>
-            <a:ext cx="830677" cy="923330"/>
-          </a:xfrm>
-          <a:prstGeom prst="rect">
-            <a:avLst/>
-          </a:prstGeom>
-          <a:solidFill>
-            <a:srgbClr val="FF7E79"/>
-          </a:solidFill>
-          <a:ln w="38100">
-            <a:noFill/>
-          </a:ln>
-        </p:spPr>
-        <p:txBody>
-          <a:bodyPr wrap="square" rtlCol="0">
-            <a:spAutoFit/>
-          </a:bodyPr>
-          <a:lstStyle/>
-          <a:p>
-            <a:endParaRPr lang="en-US" dirty="0"/>
-          </a:p>
-          <a:p>
-            <a:r>
-              <a:rPr lang="en-US" dirty="0"/>
-              <a:t>     4     </a:t>
-            </a:r>
-          </a:p>
-          <a:p>
-            <a:endParaRPr lang="en-US" dirty="0"/>
-          </a:p>
-        </p:txBody>
-      </p:sp>
-      <p:sp>
-        <p:nvSpPr>
-          <p:cNvPr id="14" name="TextBox 13">
-            <a:extLst>
-              <a:ext uri="{FF2B5EF4-FFF2-40B4-BE49-F238E27FC236}">
-                <a16:creationId xmlns:a16="http://schemas.microsoft.com/office/drawing/2014/main" id="{EB60F6AB-DCC3-2A4E-9404-33D0CDBE69EE}"/>
-              </a:ext>
-            </a:extLst>
-          </p:cNvPr>
-          <p:cNvSpPr txBox="1"/>
-          <p:nvPr/>
-        </p:nvSpPr>
-        <p:spPr>
-          <a:xfrm>
-            <a:off x="6158726" y="3062157"/>
-            <a:ext cx="354584" cy="369332"/>
-          </a:xfrm>
-          <a:prstGeom prst="rect">
-            <a:avLst/>
-          </a:prstGeom>
-          <a:solidFill>
-            <a:srgbClr val="FF7E79"/>
-          </a:solidFill>
-          <a:ln w="38100">
-            <a:solidFill>
-              <a:schemeClr val="tx1"/>
-            </a:solidFill>
-          </a:ln>
-        </p:spPr>
-        <p:txBody>
-          <a:bodyPr wrap="square" rtlCol="0">
-            <a:spAutoFit/>
-          </a:bodyPr>
-          <a:lstStyle/>
-          <a:p>
-            <a:r>
-              <a:rPr lang="en-US" dirty="0"/>
-              <a:t> 5</a:t>
-            </a:r>
-          </a:p>
-        </p:txBody>
-      </p:sp>
-      <p:sp>
-        <p:nvSpPr>
-          <p:cNvPr id="15" name="Oval 14">
-            <a:extLst>
-              <a:ext uri="{FF2B5EF4-FFF2-40B4-BE49-F238E27FC236}">
-                <a16:creationId xmlns:a16="http://schemas.microsoft.com/office/drawing/2014/main" id="{6C81CBA2-4F7D-1348-AF3C-864939351083}"/>
-              </a:ext>
-            </a:extLst>
-          </p:cNvPr>
-          <p:cNvSpPr/>
-          <p:nvPr/>
-        </p:nvSpPr>
-        <p:spPr>
-          <a:xfrm>
-            <a:off x="2291445" y="2761250"/>
-            <a:ext cx="1009596" cy="1009596"/>
-          </a:xfrm>
-          <a:prstGeom prst="ellipse">
-            <a:avLst/>
-          </a:prstGeom>
-          <a:solidFill>
-            <a:srgbClr val="FF7E79"/>
-          </a:solidFill>
-          <a:ln w="38100">
-            <a:solidFill>
-              <a:schemeClr val="tx1"/>
-            </a:solidFill>
-          </a:ln>
-        </p:spPr>
-        <p:style>
-          <a:lnRef idx="2">
-            <a:schemeClr val="accent1">
-              <a:shade val="50000"/>
-            </a:schemeClr>
-          </a:lnRef>
-          <a:fillRef idx="1">
-            <a:schemeClr val="accent1"/>
-          </a:fillRef>
-          <a:effectRef idx="0">
-            <a:schemeClr val="accent1"/>
-          </a:effectRef>
-          <a:fontRef idx="minor">
-            <a:schemeClr val="lt1"/>
-          </a:fontRef>
-        </p:style>
-        <p:txBody>
-          <a:bodyPr rtlCol="0" anchor="ctr"/>
-          <a:lstStyle/>
-          <a:p>
-            <a:pPr algn="ctr"/>
-            <a:r>
-              <a:rPr lang="en-US" dirty="0">
-                <a:solidFill>
-                  <a:schemeClr val="tx1"/>
-                </a:solidFill>
-              </a:rPr>
-              <a:t>1</a:t>
-            </a:r>
-          </a:p>
-        </p:txBody>
-      </p:sp>
-      <p:sp>
-        <p:nvSpPr>
           <p:cNvPr id="2" name="Title 1">
             <a:extLst>
               <a:ext uri="{FF2B5EF4-FFF2-40B4-BE49-F238E27FC236}">
-                <a16:creationId xmlns:a16="http://schemas.microsoft.com/office/drawing/2014/main" id="{A85BCE92-54FD-1C40-9450-DFA7C122D93F}"/>
+                <a16:creationId xmlns:a16="http://schemas.microsoft.com/office/drawing/2014/main" id="{80B8CF8C-DC87-5446-904A-586A589EB414}"/>
               </a:ext>
             </a:extLst>
           </p:cNvPr>
@@ -13129,16 +13049,189 @@
           <a:lstStyle/>
           <a:p>
             <a:r>
-              <a:rPr lang="en-US" b="1" dirty="0"/>
-              <a:t>Enjoy WODB! Challenge Example …  </a:t>
-            </a:r>
+              <a:rPr lang="en-US" dirty="0"/>
+              <a:t>Some References</a:t>
+            </a:r>
+          </a:p>
+        </p:txBody>
+      </p:sp>
+      <p:sp>
+        <p:nvSpPr>
+          <p:cNvPr id="3" name="Content Placeholder 2">
+            <a:extLst>
+              <a:ext uri="{FF2B5EF4-FFF2-40B4-BE49-F238E27FC236}">
+                <a16:creationId xmlns:a16="http://schemas.microsoft.com/office/drawing/2014/main" id="{BA479203-F5F5-F84D-A97C-2640E92B4FD5}"/>
+              </a:ext>
+            </a:extLst>
+          </p:cNvPr>
+          <p:cNvSpPr>
+            <a:spLocks noGrp="1"/>
+          </p:cNvSpPr>
+          <p:nvPr>
+            <p:ph idx="1"/>
+          </p:nvPr>
+        </p:nvSpPr>
+        <p:spPr/>
+        <p:txBody>
+          <a:bodyPr>
+            <a:normAutofit/>
+          </a:bodyPr>
+          <a:lstStyle/>
+          <a:p>
+            <a:r>
+              <a:rPr lang="en-US" sz="2400" b="1" dirty="0"/>
+              <a:t>WODB/ASP/PWE Source code: </a:t>
+            </a:r>
+            <a:r>
+              <a:rPr lang="en-US" sz="2400" b="1" dirty="0">
+                <a:hlinkClick r:id="rId2"/>
+              </a:rPr>
+              <a:t>https://github.com/idaks/WODB</a:t>
+            </a:r>
+            <a:r>
+              <a:rPr lang="en-US" sz="2400" b="1" dirty="0"/>
+              <a:t> </a:t>
+            </a:r>
+          </a:p>
+          <a:p>
+            <a:endParaRPr lang="en-US" sz="2400" b="1" dirty="0"/>
+          </a:p>
+          <a:p>
+            <a:r>
+              <a:rPr lang="en-US" sz="2400" dirty="0"/>
+              <a:t>WODB web site: </a:t>
+            </a:r>
+            <a:r>
+              <a:rPr lang="en-US" sz="2400" dirty="0">
+                <a:hlinkClick r:id="rId3"/>
+              </a:rPr>
+              <a:t>http://wodb.ca/index.html</a:t>
+            </a:r>
+            <a:endParaRPr lang="en-US" sz="2400" dirty="0"/>
+          </a:p>
+          <a:p>
+            <a:r>
+              <a:rPr lang="en-US" sz="2400" dirty="0"/>
+              <a:t>A book: </a:t>
+            </a:r>
+            <a:r>
+              <a:rPr lang="en-US" sz="2400" dirty="0">
+                <a:hlinkClick r:id="rId4"/>
+              </a:rPr>
+              <a:t>https://www.stenhouse.com/content/which-one-doesnt-belong</a:t>
+            </a:r>
+            <a:r>
+              <a:rPr lang="en-US" sz="2400" dirty="0"/>
+              <a:t> </a:t>
+            </a:r>
+          </a:p>
+          <a:p>
+            <a:r>
+              <a:rPr lang="en-US" sz="2400" dirty="0"/>
+              <a:t>Sesame Street: One of these things is not like the others .. </a:t>
+            </a:r>
+          </a:p>
+          <a:p>
+            <a:pPr lvl="1"/>
+            <a:r>
+              <a:rPr lang="en-US" sz="2000" dirty="0"/>
+              <a:t>Easy: </a:t>
+            </a:r>
+            <a:r>
+              <a:rPr lang="en-US" sz="2000" dirty="0">
+                <a:hlinkClick r:id="rId5"/>
+              </a:rPr>
+              <a:t>https://www.youtube.com/watch?v=rsRjQDrDnY8</a:t>
+            </a:r>
+            <a:r>
+              <a:rPr lang="en-US" sz="2000" dirty="0"/>
+              <a:t> </a:t>
+            </a:r>
+          </a:p>
+          <a:p>
+            <a:pPr lvl="1"/>
+            <a:r>
+              <a:rPr lang="en-US" sz="2000" dirty="0"/>
+              <a:t>A bit more tricky: </a:t>
+            </a:r>
+            <a:r>
+              <a:rPr lang="en-US" sz="2000" dirty="0">
+                <a:hlinkClick r:id="rId6"/>
+              </a:rPr>
+              <a:t>https://www.youtube.com/watch?v=lqegob0v9W8</a:t>
+            </a:r>
+            <a:r>
+              <a:rPr lang="en-US" sz="2000" dirty="0"/>
+              <a:t> </a:t>
+            </a:r>
+          </a:p>
+          <a:p>
+            <a:r>
+              <a:rPr lang="en-US" sz="2400" dirty="0"/>
+              <a:t>Quite tricky: </a:t>
+            </a:r>
+          </a:p>
+          <a:p>
+            <a:pPr lvl="1"/>
+            <a:r>
+              <a:rPr lang="en-US" sz="2000" dirty="0">
+                <a:hlinkClick r:id="rId7"/>
+              </a:rPr>
+              <a:t>https://twitter.com/mcnally_gerry/status/1243582829507813376?s=20</a:t>
+            </a:r>
+            <a:r>
+              <a:rPr lang="en-US" sz="2000" dirty="0"/>
+              <a:t> </a:t>
+            </a:r>
+          </a:p>
+          <a:p>
+            <a:pPr lvl="1"/>
+            <a:r>
+              <a:rPr lang="en-US" sz="2000" dirty="0">
+                <a:hlinkClick r:id="rId8"/>
+              </a:rPr>
+              <a:t>https://twitter.com/search?q=%23wodb&amp;src=typd</a:t>
+            </a:r>
+            <a:r>
+              <a:rPr lang="en-US" sz="2000" dirty="0"/>
+              <a:t> </a:t>
+            </a:r>
+          </a:p>
+        </p:txBody>
+      </p:sp>
+      <p:sp>
+        <p:nvSpPr>
+          <p:cNvPr id="4" name="Slide Number Placeholder 3">
+            <a:extLst>
+              <a:ext uri="{FF2B5EF4-FFF2-40B4-BE49-F238E27FC236}">
+                <a16:creationId xmlns:a16="http://schemas.microsoft.com/office/drawing/2014/main" id="{6739C372-FDB8-8045-BBF6-573F566D0590}"/>
+              </a:ext>
+            </a:extLst>
+          </p:cNvPr>
+          <p:cNvSpPr>
+            <a:spLocks noGrp="1"/>
+          </p:cNvSpPr>
+          <p:nvPr>
+            <p:ph type="sldNum" sz="quarter" idx="12"/>
+          </p:nvPr>
+        </p:nvSpPr>
+        <p:spPr/>
+        <p:txBody>
+          <a:bodyPr/>
+          <a:lstStyle/>
+          <a:p>
+            <a:fld id="{A4311A22-1652-DC4A-A937-C750E42D0D97}" type="slidenum">
+              <a:rPr lang="en-US" smtClean="0"/>
+              <a:t>18</a:t>
+            </a:fld>
+            <a:endParaRPr lang="en-US"/>
           </a:p>
         </p:txBody>
       </p:sp>
     </p:spTree>
     <p:extLst>
       <p:ext uri="{BB962C8B-B14F-4D97-AF65-F5344CB8AC3E}">
-        <p14:creationId xmlns:p14="http://schemas.microsoft.com/office/powerpoint/2010/main" val="545567537"/>
+        <p14:creationId xmlns:p14="http://schemas.microsoft.com/office/powerpoint/2010/main" val="1910252037"/>
       </p:ext>
     </p:extLst>
   </p:cSld>
@@ -13167,10 +13260,10 @@
       </p:grpSpPr>
       <p:sp>
         <p:nvSpPr>
-          <p:cNvPr id="2" name="Title 1">
+          <p:cNvPr id="3" name="Title 2">
             <a:extLst>
               <a:ext uri="{FF2B5EF4-FFF2-40B4-BE49-F238E27FC236}">
-                <a16:creationId xmlns:a16="http://schemas.microsoft.com/office/drawing/2014/main" id="{80B8CF8C-DC87-5446-904A-586A589EB414}"/>
+                <a16:creationId xmlns:a16="http://schemas.microsoft.com/office/drawing/2014/main" id="{89B3C089-62F5-0D45-9378-3980B0684762}"/>
               </a:ext>
             </a:extLst>
           </p:cNvPr>
@@ -13178,7 +13271,7 @@
             <a:spLocks noGrp="1"/>
           </p:cNvSpPr>
           <p:nvPr>
-            <p:ph type="title"/>
+            <p:ph type="ctrTitle"/>
           </p:nvPr>
         </p:nvSpPr>
         <p:spPr/>
@@ -13188,17 +13281,17 @@
           <a:p>
             <a:r>
               <a:rPr lang="en-US" dirty="0"/>
-              <a:t>Some References</a:t>
+              <a:t>THE END </a:t>
             </a:r>
           </a:p>
         </p:txBody>
       </p:sp>
       <p:sp>
         <p:nvSpPr>
-          <p:cNvPr id="3" name="Content Placeholder 2">
+          <p:cNvPr id="4" name="Subtitle 3">
             <a:extLst>
               <a:ext uri="{FF2B5EF4-FFF2-40B4-BE49-F238E27FC236}">
-                <a16:creationId xmlns:a16="http://schemas.microsoft.com/office/drawing/2014/main" id="{BA479203-F5F5-F84D-A97C-2640E92B4FD5}"/>
+                <a16:creationId xmlns:a16="http://schemas.microsoft.com/office/drawing/2014/main" id="{E5CC80DE-0665-E749-B729-AA212853596E}"/>
               </a:ext>
             </a:extLst>
           </p:cNvPr>
@@ -13206,143 +13299,27 @@
             <a:spLocks noGrp="1"/>
           </p:cNvSpPr>
           <p:nvPr>
-            <p:ph idx="1"/>
+            <p:ph type="subTitle" idx="1"/>
           </p:nvPr>
         </p:nvSpPr>
         <p:spPr/>
         <p:txBody>
-          <a:bodyPr>
-            <a:normAutofit/>
-          </a:bodyPr>
+          <a:bodyPr/>
           <a:lstStyle/>
           <a:p>
             <a:r>
-              <a:rPr lang="en-US" sz="2400" b="1" dirty="0"/>
-              <a:t>WODB/ASP/PWE Source code: </a:t>
-            </a:r>
-            <a:r>
-              <a:rPr lang="en-US" sz="2400" b="1" dirty="0">
-                <a:hlinkClick r:id="rId2"/>
-              </a:rPr>
-              <a:t>https://github.com/idaks/WODB</a:t>
-            </a:r>
-            <a:r>
-              <a:rPr lang="en-US" sz="2400" b="1" dirty="0"/>
-              <a:t> </a:t>
-            </a:r>
-          </a:p>
-          <a:p>
-            <a:endParaRPr lang="en-US" sz="2400" b="1" dirty="0"/>
-          </a:p>
-          <a:p>
-            <a:r>
-              <a:rPr lang="en-US" sz="2400" dirty="0"/>
-              <a:t>WODB web site: </a:t>
-            </a:r>
-            <a:r>
-              <a:rPr lang="en-US" sz="2400" dirty="0">
-                <a:hlinkClick r:id="rId3"/>
-              </a:rPr>
-              <a:t>http://wodb.ca/index.html</a:t>
-            </a:r>
-            <a:endParaRPr lang="en-US" sz="2400" dirty="0"/>
-          </a:p>
-          <a:p>
-            <a:r>
-              <a:rPr lang="en-US" sz="2400" dirty="0"/>
-              <a:t>A book: </a:t>
-            </a:r>
-            <a:r>
-              <a:rPr lang="en-US" sz="2400" dirty="0">
-                <a:hlinkClick r:id="rId4"/>
-              </a:rPr>
-              <a:t>https://www.stenhouse.com/content/which-one-doesnt-belong</a:t>
-            </a:r>
-            <a:r>
-              <a:rPr lang="en-US" sz="2400" dirty="0"/>
-              <a:t> </a:t>
-            </a:r>
-          </a:p>
-          <a:p>
-            <a:r>
-              <a:rPr lang="en-US" sz="2400" dirty="0"/>
-              <a:t>Sesame Street: One of these things is not like the others .. </a:t>
-            </a:r>
-          </a:p>
-          <a:p>
-            <a:pPr lvl="1"/>
-            <a:r>
-              <a:rPr lang="en-US" sz="2000" dirty="0"/>
-              <a:t>Easy: </a:t>
-            </a:r>
-            <a:r>
-              <a:rPr lang="en-US" sz="2000" dirty="0">
-                <a:hlinkClick r:id="rId5"/>
-              </a:rPr>
-              <a:t>https://www.youtube.com/watch?v=rsRjQDrDnY8</a:t>
-            </a:r>
-            <a:r>
-              <a:rPr lang="en-US" sz="2000" dirty="0"/>
-              <a:t> </a:t>
-            </a:r>
-          </a:p>
-          <a:p>
-            <a:pPr lvl="1"/>
-            <a:r>
-              <a:rPr lang="en-US" sz="2000" dirty="0"/>
-              <a:t>A bit more tricky: </a:t>
-            </a:r>
-            <a:r>
-              <a:rPr lang="en-US" sz="2000" dirty="0">
-                <a:hlinkClick r:id="rId6"/>
-              </a:rPr>
-              <a:t>https://www.youtube.com/watch?v=lqegob0v9W8</a:t>
-            </a:r>
-            <a:r>
-              <a:rPr lang="en-US" sz="2000" dirty="0"/>
-              <a:t> </a:t>
-            </a:r>
-          </a:p>
-          <a:p>
-            <a:r>
-              <a:rPr lang="en-US" sz="2400" dirty="0"/>
-              <a:t>Quite tricky: </a:t>
-            </a:r>
-          </a:p>
-          <a:p>
-            <a:pPr lvl="1"/>
-            <a:r>
-              <a:rPr lang="en-US" sz="2000" dirty="0">
-                <a:hlinkClick r:id="rId7"/>
-              </a:rPr>
-              <a:t>https://twitter.com/mcnally_gerry/status/1243582829507813376?s=20</a:t>
-            </a:r>
-            <a:r>
-              <a:rPr lang="en-US" sz="2000" dirty="0"/>
-              <a:t> </a:t>
-            </a:r>
-          </a:p>
-          <a:p>
-            <a:pPr lvl="1"/>
-            <a:r>
-              <a:rPr lang="en-US" sz="2000" dirty="0">
-                <a:hlinkClick r:id="rId8"/>
-              </a:rPr>
-              <a:t>https://twitter.com/search?q=%23wodb&amp;src=typd</a:t>
-            </a:r>
-            <a:r>
-              <a:rPr lang="en-US" sz="2000" dirty="0"/>
-              <a:t> </a:t>
+              <a:rPr lang="en-US" dirty="0"/>
+              <a:t>(additional fun stuff ahead .. )</a:t>
             </a:r>
           </a:p>
         </p:txBody>
       </p:sp>
       <p:sp>
         <p:nvSpPr>
-          <p:cNvPr id="4" name="Slide Number Placeholder 3">
+          <p:cNvPr id="2" name="Slide Number Placeholder 1">
             <a:extLst>
               <a:ext uri="{FF2B5EF4-FFF2-40B4-BE49-F238E27FC236}">
-                <a16:creationId xmlns:a16="http://schemas.microsoft.com/office/drawing/2014/main" id="{6739C372-FDB8-8045-BBF6-573F566D0590}"/>
+                <a16:creationId xmlns:a16="http://schemas.microsoft.com/office/drawing/2014/main" id="{262FC0FB-E056-5249-8666-B434B2830377}"/>
               </a:ext>
             </a:extLst>
           </p:cNvPr>
@@ -13369,7 +13346,7 @@
     </p:spTree>
     <p:extLst>
       <p:ext uri="{BB962C8B-B14F-4D97-AF65-F5344CB8AC3E}">
-        <p14:creationId xmlns:p14="http://schemas.microsoft.com/office/powerpoint/2010/main" val="1910252037"/>
+        <p14:creationId xmlns:p14="http://schemas.microsoft.com/office/powerpoint/2010/main" val="628469818"/>
       </p:ext>
     </p:extLst>
   </p:cSld>
@@ -13879,6 +13856,1594 @@
     <p:extLst>
       <p:ext uri="{BB962C8B-B14F-4D97-AF65-F5344CB8AC3E}">
         <p14:creationId xmlns:p14="http://schemas.microsoft.com/office/powerpoint/2010/main" val="657393651"/>
+      </p:ext>
+    </p:extLst>
+  </p:cSld>
+  <p:clrMapOvr>
+    <a:masterClrMapping/>
+  </p:clrMapOvr>
+</p:sld>
+</file>
+
+<file path=ppt/slides/slide20.xml><?xml version="1.0" encoding="utf-8"?>
+<p:sld xmlns:a="http://schemas.openxmlformats.org/drawingml/2006/main" xmlns:r="http://schemas.openxmlformats.org/officeDocument/2006/relationships" xmlns:p="http://schemas.openxmlformats.org/presentationml/2006/main">
+  <p:cSld>
+    <p:spTree>
+      <p:nvGrpSpPr>
+        <p:cNvPr id="1" name=""/>
+        <p:cNvGrpSpPr/>
+        <p:nvPr/>
+      </p:nvGrpSpPr>
+      <p:grpSpPr>
+        <a:xfrm>
+          <a:off x="0" y="0"/>
+          <a:ext cx="0" cy="0"/>
+          <a:chOff x="0" y="0"/>
+          <a:chExt cx="0" cy="0"/>
+        </a:xfrm>
+      </p:grpSpPr>
+      <p:sp>
+        <p:nvSpPr>
+          <p:cNvPr id="4" name="Title 3"/>
+          <p:cNvSpPr>
+            <a:spLocks noGrp="1"/>
+          </p:cNvSpPr>
+          <p:nvPr>
+            <p:ph type="title"/>
+          </p:nvPr>
+        </p:nvSpPr>
+        <p:spPr/>
+        <p:txBody>
+          <a:bodyPr>
+            <a:normAutofit fontScale="90000"/>
+          </a:bodyPr>
+          <a:lstStyle/>
+          <a:p>
+            <a:r>
+              <a:rPr lang="en-US" sz="6000" b="1" dirty="0"/>
+              <a:t>Enjoy WODB! Challenge Example … </a:t>
+            </a:r>
+          </a:p>
+        </p:txBody>
+      </p:sp>
+      <p:grpSp>
+        <p:nvGrpSpPr>
+          <p:cNvPr id="5" name="Group 4"/>
+          <p:cNvGrpSpPr/>
+          <p:nvPr/>
+        </p:nvGrpSpPr>
+        <p:grpSpPr>
+          <a:xfrm>
+            <a:off x="1679996" y="3219057"/>
+            <a:ext cx="5425293" cy="1019456"/>
+            <a:chOff x="6943997" y="5712149"/>
+            <a:chExt cx="4913734" cy="923330"/>
+          </a:xfrm>
+        </p:grpSpPr>
+        <p:sp>
+          <p:nvSpPr>
+            <p:cNvPr id="6" name="TextBox 5"/>
+            <p:cNvSpPr txBox="1"/>
+            <p:nvPr/>
+          </p:nvSpPr>
+          <p:spPr>
+            <a:xfrm>
+              <a:off x="6943997" y="5712149"/>
+              <a:ext cx="830677" cy="923330"/>
+            </a:xfrm>
+            <a:prstGeom prst="rect">
+              <a:avLst/>
+            </a:prstGeom>
+            <a:solidFill>
+              <a:srgbClr val="FF7E79"/>
+            </a:solidFill>
+            <a:ln w="38100">
+              <a:solidFill>
+                <a:schemeClr val="tx1"/>
+              </a:solidFill>
+            </a:ln>
+          </p:spPr>
+          <p:txBody>
+            <a:bodyPr wrap="none" rtlCol="0">
+              <a:spAutoFit/>
+            </a:bodyPr>
+            <a:lstStyle/>
+            <a:p>
+              <a:endParaRPr lang="en-US" dirty="0"/>
+            </a:p>
+            <a:p>
+              <a:r>
+                <a:rPr lang="en-US" dirty="0"/>
+                <a:t>     1     </a:t>
+              </a:r>
+            </a:p>
+            <a:p>
+              <a:endParaRPr lang="en-US" dirty="0"/>
+            </a:p>
+          </p:txBody>
+        </p:sp>
+        <p:sp>
+          <p:nvSpPr>
+            <p:cNvPr id="7" name="TextBox 6"/>
+            <p:cNvSpPr txBox="1"/>
+            <p:nvPr/>
+          </p:nvSpPr>
+          <p:spPr>
+            <a:xfrm>
+              <a:off x="8076079" y="5712149"/>
+              <a:ext cx="777777" cy="923330"/>
+            </a:xfrm>
+            <a:prstGeom prst="rect">
+              <a:avLst/>
+            </a:prstGeom>
+            <a:solidFill>
+              <a:srgbClr val="06F500"/>
+            </a:solidFill>
+            <a:ln w="38100">
+              <a:solidFill>
+                <a:schemeClr val="tx1"/>
+              </a:solidFill>
+            </a:ln>
+          </p:spPr>
+          <p:txBody>
+            <a:bodyPr wrap="none" rtlCol="0">
+              <a:spAutoFit/>
+            </a:bodyPr>
+            <a:lstStyle/>
+            <a:p>
+              <a:endParaRPr lang="en-US" dirty="0"/>
+            </a:p>
+            <a:p>
+              <a:r>
+                <a:rPr lang="en-US" dirty="0"/>
+                <a:t>     2    </a:t>
+              </a:r>
+            </a:p>
+            <a:p>
+              <a:endParaRPr lang="en-US" dirty="0"/>
+            </a:p>
+          </p:txBody>
+        </p:sp>
+        <p:sp>
+          <p:nvSpPr>
+            <p:cNvPr id="8" name="TextBox 7"/>
+            <p:cNvSpPr txBox="1"/>
+            <p:nvPr/>
+          </p:nvSpPr>
+          <p:spPr>
+            <a:xfrm>
+              <a:off x="10371066" y="5712149"/>
+              <a:ext cx="830677" cy="923330"/>
+            </a:xfrm>
+            <a:prstGeom prst="rect">
+              <a:avLst/>
+            </a:prstGeom>
+            <a:solidFill>
+              <a:srgbClr val="FF7E79"/>
+            </a:solidFill>
+            <a:ln w="38100">
+              <a:noFill/>
+            </a:ln>
+          </p:spPr>
+          <p:txBody>
+            <a:bodyPr wrap="none" rtlCol="0">
+              <a:spAutoFit/>
+            </a:bodyPr>
+            <a:lstStyle/>
+            <a:p>
+              <a:endParaRPr lang="en-US" dirty="0"/>
+            </a:p>
+            <a:p>
+              <a:r>
+                <a:rPr lang="en-US" dirty="0"/>
+                <a:t>     4     </a:t>
+              </a:r>
+            </a:p>
+            <a:p>
+              <a:endParaRPr lang="en-US" dirty="0"/>
+            </a:p>
+          </p:txBody>
+        </p:sp>
+        <p:sp>
+          <p:nvSpPr>
+            <p:cNvPr id="9" name="TextBox 8"/>
+            <p:cNvSpPr txBox="1"/>
+            <p:nvPr/>
+          </p:nvSpPr>
+          <p:spPr>
+            <a:xfrm>
+              <a:off x="11503147" y="5989148"/>
+              <a:ext cx="354584" cy="369332"/>
+            </a:xfrm>
+            <a:prstGeom prst="rect">
+              <a:avLst/>
+            </a:prstGeom>
+            <a:solidFill>
+              <a:srgbClr val="FF7E79"/>
+            </a:solidFill>
+            <a:ln w="38100">
+              <a:solidFill>
+                <a:schemeClr val="tx1"/>
+              </a:solidFill>
+            </a:ln>
+          </p:spPr>
+          <p:txBody>
+            <a:bodyPr wrap="none" rtlCol="0">
+              <a:spAutoFit/>
+            </a:bodyPr>
+            <a:lstStyle/>
+            <a:p>
+              <a:r>
+                <a:rPr lang="en-US" dirty="0"/>
+                <a:t> 5</a:t>
+              </a:r>
+            </a:p>
+          </p:txBody>
+        </p:sp>
+        <p:sp>
+          <p:nvSpPr>
+            <p:cNvPr id="10" name="Oval 9"/>
+            <p:cNvSpPr/>
+            <p:nvPr/>
+          </p:nvSpPr>
+          <p:spPr>
+            <a:xfrm>
+              <a:off x="9155261" y="5716614"/>
+              <a:ext cx="914400" cy="914400"/>
+            </a:xfrm>
+            <a:prstGeom prst="ellipse">
+              <a:avLst/>
+            </a:prstGeom>
+            <a:solidFill>
+              <a:srgbClr val="FF7E79"/>
+            </a:solidFill>
+            <a:ln w="38100">
+              <a:solidFill>
+                <a:schemeClr val="tx1"/>
+              </a:solidFill>
+            </a:ln>
+          </p:spPr>
+          <p:style>
+            <a:lnRef idx="2">
+              <a:schemeClr val="accent1">
+                <a:shade val="50000"/>
+              </a:schemeClr>
+            </a:lnRef>
+            <a:fillRef idx="1">
+              <a:schemeClr val="accent1"/>
+            </a:fillRef>
+            <a:effectRef idx="0">
+              <a:schemeClr val="accent1"/>
+            </a:effectRef>
+            <a:fontRef idx="minor">
+              <a:schemeClr val="lt1"/>
+            </a:fontRef>
+          </p:style>
+          <p:txBody>
+            <a:bodyPr rtlCol="0" anchor="ctr"/>
+            <a:lstStyle/>
+            <a:p>
+              <a:pPr algn="ctr"/>
+              <a:r>
+                <a:rPr lang="en-US">
+                  <a:solidFill>
+                    <a:schemeClr val="tx1"/>
+                  </a:solidFill>
+                </a:rPr>
+                <a:t>3</a:t>
+              </a:r>
+            </a:p>
+          </p:txBody>
+        </p:sp>
+      </p:grpSp>
+    </p:spTree>
+    <p:extLst>
+      <p:ext uri="{BB962C8B-B14F-4D97-AF65-F5344CB8AC3E}">
+        <p14:creationId xmlns:p14="http://schemas.microsoft.com/office/powerpoint/2010/main" val="2554445336"/>
+      </p:ext>
+    </p:extLst>
+  </p:cSld>
+  <p:clrMapOvr>
+    <a:masterClrMapping/>
+  </p:clrMapOvr>
+</p:sld>
+</file>
+
+<file path=ppt/slides/slide21.xml><?xml version="1.0" encoding="utf-8"?>
+<p:sld xmlns:a="http://schemas.openxmlformats.org/drawingml/2006/main" xmlns:r="http://schemas.openxmlformats.org/officeDocument/2006/relationships" xmlns:p="http://schemas.openxmlformats.org/presentationml/2006/main">
+  <p:cSld>
+    <p:spTree>
+      <p:nvGrpSpPr>
+        <p:cNvPr id="1" name=""/>
+        <p:cNvGrpSpPr/>
+        <p:nvPr/>
+      </p:nvGrpSpPr>
+      <p:grpSpPr>
+        <a:xfrm>
+          <a:off x="0" y="0"/>
+          <a:ext cx="0" cy="0"/>
+          <a:chOff x="0" y="0"/>
+          <a:chExt cx="0" cy="0"/>
+        </a:xfrm>
+      </p:grpSpPr>
+      <p:sp>
+        <p:nvSpPr>
+          <p:cNvPr id="4" name="Title 3"/>
+          <p:cNvSpPr>
+            <a:spLocks noGrp="1"/>
+          </p:cNvSpPr>
+          <p:nvPr>
+            <p:ph type="title"/>
+          </p:nvPr>
+        </p:nvSpPr>
+        <p:spPr/>
+        <p:txBody>
+          <a:bodyPr>
+            <a:normAutofit/>
+          </a:bodyPr>
+          <a:lstStyle/>
+          <a:p>
+            <a:r>
+              <a:rPr lang="en-US" sz="6000" b="1"/>
+              <a:t>Which </a:t>
+            </a:r>
+            <a:r>
+              <a:rPr lang="en-US" sz="6000" b="1" dirty="0"/>
+              <a:t>one doesn’t belong?</a:t>
+            </a:r>
+          </a:p>
+        </p:txBody>
+      </p:sp>
+      <p:grpSp>
+        <p:nvGrpSpPr>
+          <p:cNvPr id="5" name="Group 4"/>
+          <p:cNvGrpSpPr/>
+          <p:nvPr/>
+        </p:nvGrpSpPr>
+        <p:grpSpPr>
+          <a:xfrm>
+            <a:off x="1701017" y="1884243"/>
+            <a:ext cx="5425293" cy="1019456"/>
+            <a:chOff x="6943997" y="5712149"/>
+            <a:chExt cx="4913734" cy="923330"/>
+          </a:xfrm>
+        </p:grpSpPr>
+        <p:sp>
+          <p:nvSpPr>
+            <p:cNvPr id="6" name="TextBox 5"/>
+            <p:cNvSpPr txBox="1"/>
+            <p:nvPr/>
+          </p:nvSpPr>
+          <p:spPr>
+            <a:xfrm>
+              <a:off x="6943997" y="5712149"/>
+              <a:ext cx="830677" cy="923330"/>
+            </a:xfrm>
+            <a:prstGeom prst="rect">
+              <a:avLst/>
+            </a:prstGeom>
+            <a:solidFill>
+              <a:srgbClr val="FF7E79"/>
+            </a:solidFill>
+            <a:ln w="38100">
+              <a:solidFill>
+                <a:schemeClr val="tx1"/>
+              </a:solidFill>
+            </a:ln>
+          </p:spPr>
+          <p:txBody>
+            <a:bodyPr wrap="none" rtlCol="0">
+              <a:spAutoFit/>
+            </a:bodyPr>
+            <a:lstStyle/>
+            <a:p>
+              <a:endParaRPr lang="en-US" dirty="0"/>
+            </a:p>
+            <a:p>
+              <a:r>
+                <a:rPr lang="en-US" dirty="0"/>
+                <a:t>     1     </a:t>
+              </a:r>
+            </a:p>
+            <a:p>
+              <a:endParaRPr lang="en-US" dirty="0"/>
+            </a:p>
+          </p:txBody>
+        </p:sp>
+        <p:sp>
+          <p:nvSpPr>
+            <p:cNvPr id="7" name="TextBox 6"/>
+            <p:cNvSpPr txBox="1"/>
+            <p:nvPr/>
+          </p:nvSpPr>
+          <p:spPr>
+            <a:xfrm>
+              <a:off x="8076079" y="5712149"/>
+              <a:ext cx="777777" cy="923330"/>
+            </a:xfrm>
+            <a:prstGeom prst="rect">
+              <a:avLst/>
+            </a:prstGeom>
+            <a:solidFill>
+              <a:srgbClr val="06F500"/>
+            </a:solidFill>
+            <a:ln w="38100">
+              <a:solidFill>
+                <a:schemeClr val="tx1"/>
+              </a:solidFill>
+            </a:ln>
+          </p:spPr>
+          <p:txBody>
+            <a:bodyPr wrap="none" rtlCol="0">
+              <a:spAutoFit/>
+            </a:bodyPr>
+            <a:lstStyle/>
+            <a:p>
+              <a:endParaRPr lang="en-US" dirty="0"/>
+            </a:p>
+            <a:p>
+              <a:r>
+                <a:rPr lang="en-US" dirty="0"/>
+                <a:t>     2    </a:t>
+              </a:r>
+            </a:p>
+            <a:p>
+              <a:endParaRPr lang="en-US" dirty="0"/>
+            </a:p>
+          </p:txBody>
+        </p:sp>
+        <p:sp>
+          <p:nvSpPr>
+            <p:cNvPr id="8" name="TextBox 7"/>
+            <p:cNvSpPr txBox="1"/>
+            <p:nvPr/>
+          </p:nvSpPr>
+          <p:spPr>
+            <a:xfrm>
+              <a:off x="10371066" y="5712149"/>
+              <a:ext cx="830677" cy="923330"/>
+            </a:xfrm>
+            <a:prstGeom prst="rect">
+              <a:avLst/>
+            </a:prstGeom>
+            <a:solidFill>
+              <a:srgbClr val="FF7E79"/>
+            </a:solidFill>
+            <a:ln w="38100">
+              <a:noFill/>
+            </a:ln>
+          </p:spPr>
+          <p:txBody>
+            <a:bodyPr wrap="none" rtlCol="0">
+              <a:spAutoFit/>
+            </a:bodyPr>
+            <a:lstStyle/>
+            <a:p>
+              <a:endParaRPr lang="en-US" dirty="0"/>
+            </a:p>
+            <a:p>
+              <a:r>
+                <a:rPr lang="en-US" dirty="0"/>
+                <a:t>     4     </a:t>
+              </a:r>
+            </a:p>
+            <a:p>
+              <a:endParaRPr lang="en-US" dirty="0"/>
+            </a:p>
+          </p:txBody>
+        </p:sp>
+        <p:sp>
+          <p:nvSpPr>
+            <p:cNvPr id="9" name="TextBox 8"/>
+            <p:cNvSpPr txBox="1"/>
+            <p:nvPr/>
+          </p:nvSpPr>
+          <p:spPr>
+            <a:xfrm>
+              <a:off x="11503147" y="5989148"/>
+              <a:ext cx="354584" cy="369332"/>
+            </a:xfrm>
+            <a:prstGeom prst="rect">
+              <a:avLst/>
+            </a:prstGeom>
+            <a:solidFill>
+              <a:srgbClr val="FF7E79"/>
+            </a:solidFill>
+            <a:ln w="38100">
+              <a:solidFill>
+                <a:schemeClr val="tx1"/>
+              </a:solidFill>
+            </a:ln>
+          </p:spPr>
+          <p:txBody>
+            <a:bodyPr wrap="none" rtlCol="0">
+              <a:spAutoFit/>
+            </a:bodyPr>
+            <a:lstStyle/>
+            <a:p>
+              <a:r>
+                <a:rPr lang="en-US" dirty="0"/>
+                <a:t> 5</a:t>
+              </a:r>
+            </a:p>
+          </p:txBody>
+        </p:sp>
+        <p:sp>
+          <p:nvSpPr>
+            <p:cNvPr id="10" name="Oval 9"/>
+            <p:cNvSpPr/>
+            <p:nvPr/>
+          </p:nvSpPr>
+          <p:spPr>
+            <a:xfrm>
+              <a:off x="9155261" y="5716614"/>
+              <a:ext cx="914400" cy="914400"/>
+            </a:xfrm>
+            <a:prstGeom prst="ellipse">
+              <a:avLst/>
+            </a:prstGeom>
+            <a:solidFill>
+              <a:srgbClr val="FF7E79"/>
+            </a:solidFill>
+            <a:ln w="38100">
+              <a:solidFill>
+                <a:schemeClr val="tx1"/>
+              </a:solidFill>
+            </a:ln>
+          </p:spPr>
+          <p:style>
+            <a:lnRef idx="2">
+              <a:schemeClr val="accent1">
+                <a:shade val="50000"/>
+              </a:schemeClr>
+            </a:lnRef>
+            <a:fillRef idx="1">
+              <a:schemeClr val="accent1"/>
+            </a:fillRef>
+            <a:effectRef idx="0">
+              <a:schemeClr val="accent1"/>
+            </a:effectRef>
+            <a:fontRef idx="minor">
+              <a:schemeClr val="lt1"/>
+            </a:fontRef>
+          </p:style>
+          <p:txBody>
+            <a:bodyPr rtlCol="0" anchor="ctr"/>
+            <a:lstStyle/>
+            <a:p>
+              <a:pPr algn="ctr"/>
+              <a:r>
+                <a:rPr lang="en-US">
+                  <a:solidFill>
+                    <a:schemeClr val="tx1"/>
+                  </a:solidFill>
+                </a:rPr>
+                <a:t>3</a:t>
+              </a:r>
+            </a:p>
+          </p:txBody>
+        </p:sp>
+      </p:grpSp>
+      <p:sp>
+        <p:nvSpPr>
+          <p:cNvPr id="2" name="TextBox 1">
+            <a:extLst>
+              <a:ext uri="{FF2B5EF4-FFF2-40B4-BE49-F238E27FC236}">
+                <a16:creationId xmlns:a16="http://schemas.microsoft.com/office/drawing/2014/main" id="{67B5D427-1341-C443-BBE4-68E717584FF9}"/>
+              </a:ext>
+            </a:extLst>
+          </p:cNvPr>
+          <p:cNvSpPr txBox="1"/>
+          <p:nvPr/>
+        </p:nvSpPr>
+        <p:spPr>
+          <a:xfrm>
+            <a:off x="1564278" y="3647090"/>
+            <a:ext cx="9063443" cy="2800767"/>
+          </a:xfrm>
+          <a:prstGeom prst="rect">
+            <a:avLst/>
+          </a:prstGeom>
+          <a:noFill/>
+        </p:spPr>
+        <p:txBody>
+          <a:bodyPr wrap="none" rtlCol="0">
+            <a:spAutoFit/>
+          </a:bodyPr>
+          <a:lstStyle/>
+          <a:p>
+            <a:r>
+              <a:rPr lang="en-US" sz="2400" dirty="0"/>
+              <a:t>Typical justification:</a:t>
+            </a:r>
+          </a:p>
+          <a:p>
+            <a:endParaRPr lang="en-US" sz="2400" dirty="0"/>
+          </a:p>
+          <a:p>
+            <a:r>
+              <a:rPr lang="en-US" sz="2400" b="1" dirty="0"/>
+              <a:t>Figure X doesn’t belong because it’s the only figure having property P:</a:t>
+            </a:r>
+          </a:p>
+          <a:p>
+            <a:endParaRPr lang="en-US" sz="2400" b="1" dirty="0"/>
+          </a:p>
+          <a:p>
+            <a:r>
+              <a:rPr lang="en-US" sz="2000" b="1" dirty="0">
+                <a:solidFill>
+                  <a:srgbClr val="0432FF"/>
+                </a:solidFill>
+                <a:latin typeface="Consolas" panose="020B0609020204030204" pitchFamily="49" charset="0"/>
+                <a:cs typeface="Consolas" panose="020B0609020204030204" pitchFamily="49" charset="0"/>
+              </a:rPr>
+              <a:t>special</a:t>
+            </a:r>
+            <a:r>
+              <a:rPr lang="en-US" sz="2000" dirty="0">
+                <a:latin typeface="Consolas" panose="020B0609020204030204" pitchFamily="49" charset="0"/>
+                <a:cs typeface="Consolas" panose="020B0609020204030204" pitchFamily="49" charset="0"/>
+              </a:rPr>
+              <a:t>(X)   :- </a:t>
+            </a:r>
+            <a:r>
+              <a:rPr lang="en-US" sz="2000" dirty="0" err="1">
+                <a:latin typeface="Consolas" panose="020B0609020204030204" pitchFamily="49" charset="0"/>
+                <a:cs typeface="Consolas" panose="020B0609020204030204" pitchFamily="49" charset="0"/>
+              </a:rPr>
+              <a:t>has_prop</a:t>
+            </a:r>
+            <a:r>
+              <a:rPr lang="en-US" sz="2000" dirty="0">
+                <a:latin typeface="Consolas" panose="020B0609020204030204" pitchFamily="49" charset="0"/>
+                <a:cs typeface="Consolas" panose="020B0609020204030204" pitchFamily="49" charset="0"/>
+              </a:rPr>
+              <a:t>(X,P), </a:t>
+            </a:r>
+            <a:r>
+              <a:rPr lang="en-US" sz="2000" b="1" dirty="0">
+                <a:latin typeface="Consolas" panose="020B0609020204030204" pitchFamily="49" charset="0"/>
+                <a:cs typeface="Consolas" panose="020B0609020204030204" pitchFamily="49" charset="0"/>
+              </a:rPr>
+              <a:t>not</a:t>
+            </a:r>
+            <a:r>
+              <a:rPr lang="en-US" sz="2000" dirty="0">
+                <a:latin typeface="Consolas" panose="020B0609020204030204" pitchFamily="49" charset="0"/>
+                <a:cs typeface="Consolas" panose="020B0609020204030204" pitchFamily="49" charset="0"/>
+              </a:rPr>
+              <a:t> another(X,P).</a:t>
+            </a:r>
+          </a:p>
+          <a:p>
+            <a:r>
+              <a:rPr lang="en-US" sz="2000" b="1" dirty="0">
+                <a:solidFill>
+                  <a:srgbClr val="0432FF"/>
+                </a:solidFill>
+                <a:latin typeface="Consolas" panose="020B0609020204030204" pitchFamily="49" charset="0"/>
+                <a:cs typeface="Consolas" panose="020B0609020204030204" pitchFamily="49" charset="0"/>
+              </a:rPr>
+              <a:t>another</a:t>
+            </a:r>
+            <a:r>
+              <a:rPr lang="en-US" sz="2000" dirty="0">
+                <a:latin typeface="Consolas" panose="020B0609020204030204" pitchFamily="49" charset="0"/>
+                <a:cs typeface="Consolas" panose="020B0609020204030204" pitchFamily="49" charset="0"/>
+              </a:rPr>
+              <a:t>(X,P) :- </a:t>
+            </a:r>
+            <a:r>
+              <a:rPr lang="en-US" sz="2000" dirty="0" err="1">
+                <a:latin typeface="Consolas" panose="020B0609020204030204" pitchFamily="49" charset="0"/>
+                <a:cs typeface="Consolas" panose="020B0609020204030204" pitchFamily="49" charset="0"/>
+              </a:rPr>
+              <a:t>has_prop</a:t>
+            </a:r>
+            <a:r>
+              <a:rPr lang="en-US" sz="2000" dirty="0">
+                <a:latin typeface="Consolas" panose="020B0609020204030204" pitchFamily="49" charset="0"/>
+                <a:cs typeface="Consolas" panose="020B0609020204030204" pitchFamily="49" charset="0"/>
+              </a:rPr>
+              <a:t>(X,P), </a:t>
+            </a:r>
+            <a:r>
+              <a:rPr lang="en-US" sz="2000" dirty="0" err="1">
+                <a:latin typeface="Consolas" panose="020B0609020204030204" pitchFamily="49" charset="0"/>
+                <a:cs typeface="Consolas" panose="020B0609020204030204" pitchFamily="49" charset="0"/>
+              </a:rPr>
+              <a:t>has_prop</a:t>
+            </a:r>
+            <a:r>
+              <a:rPr lang="en-US" sz="2000" dirty="0">
+                <a:latin typeface="Consolas" panose="020B0609020204030204" pitchFamily="49" charset="0"/>
+                <a:cs typeface="Consolas" panose="020B0609020204030204" pitchFamily="49" charset="0"/>
+              </a:rPr>
+              <a:t>(Y,P), X != Y.</a:t>
+            </a:r>
+          </a:p>
+          <a:p>
+            <a:endParaRPr lang="en-US" sz="2000" dirty="0">
+              <a:latin typeface="Consolas" panose="020B0609020204030204" pitchFamily="49" charset="0"/>
+              <a:cs typeface="Consolas" panose="020B0609020204030204" pitchFamily="49" charset="0"/>
+            </a:endParaRPr>
+          </a:p>
+          <a:p>
+            <a:r>
+              <a:rPr lang="en-US" sz="2000" dirty="0"/>
+              <a:t>.. but this doesn’t work here… (why not?)</a:t>
+            </a:r>
+          </a:p>
+        </p:txBody>
+      </p:sp>
+    </p:spTree>
+    <p:extLst>
+      <p:ext uri="{BB962C8B-B14F-4D97-AF65-F5344CB8AC3E}">
+        <p14:creationId xmlns:p14="http://schemas.microsoft.com/office/powerpoint/2010/main" val="3392650886"/>
+      </p:ext>
+    </p:extLst>
+  </p:cSld>
+  <p:clrMapOvr>
+    <a:masterClrMapping/>
+  </p:clrMapOvr>
+</p:sld>
+</file>
+
+<file path=ppt/slides/slide22.xml><?xml version="1.0" encoding="utf-8"?>
+<p:sld xmlns:a="http://schemas.openxmlformats.org/drawingml/2006/main" xmlns:r="http://schemas.openxmlformats.org/officeDocument/2006/relationships" xmlns:p="http://schemas.openxmlformats.org/presentationml/2006/main">
+  <p:cSld>
+    <p:spTree>
+      <p:nvGrpSpPr>
+        <p:cNvPr id="1" name=""/>
+        <p:cNvGrpSpPr/>
+        <p:nvPr/>
+      </p:nvGrpSpPr>
+      <p:grpSpPr>
+        <a:xfrm>
+          <a:off x="0" y="0"/>
+          <a:ext cx="0" cy="0"/>
+          <a:chOff x="0" y="0"/>
+          <a:chExt cx="0" cy="0"/>
+        </a:xfrm>
+      </p:grpSpPr>
+      <p:pic>
+        <p:nvPicPr>
+          <p:cNvPr id="5" name="Picture 4"/>
+          <p:cNvPicPr>
+            <a:picLocks noChangeAspect="1"/>
+          </p:cNvPicPr>
+          <p:nvPr/>
+        </p:nvPicPr>
+        <p:blipFill>
+          <a:blip r:embed="rId2">
+            <a:extLst>
+              <a:ext uri="{28A0092B-C50C-407E-A947-70E740481C1C}">
+                <a14:useLocalDpi xmlns:a14="http://schemas.microsoft.com/office/drawing/2010/main" val="0"/>
+              </a:ext>
+            </a:extLst>
+          </a:blip>
+          <a:stretch>
+            <a:fillRect/>
+          </a:stretch>
+        </p:blipFill>
+        <p:spPr>
+          <a:xfrm>
+            <a:off x="5021313" y="225631"/>
+            <a:ext cx="7076965" cy="6362464"/>
+          </a:xfrm>
+          <a:prstGeom prst="rect">
+            <a:avLst/>
+          </a:prstGeom>
+        </p:spPr>
+      </p:pic>
+      <p:sp>
+        <p:nvSpPr>
+          <p:cNvPr id="11" name="TextBox 10"/>
+          <p:cNvSpPr txBox="1"/>
+          <p:nvPr/>
+        </p:nvSpPr>
+        <p:spPr>
+          <a:xfrm>
+            <a:off x="6184498" y="1234042"/>
+            <a:ext cx="591829" cy="400110"/>
+          </a:xfrm>
+          <a:prstGeom prst="rect">
+            <a:avLst/>
+          </a:prstGeom>
+          <a:noFill/>
+        </p:spPr>
+        <p:txBody>
+          <a:bodyPr wrap="none" rtlCol="0">
+            <a:spAutoFit/>
+          </a:bodyPr>
+          <a:lstStyle/>
+          <a:p>
+            <a:r>
+              <a:rPr lang="en-US" sz="2000" b="1" i="1" dirty="0">
+                <a:solidFill>
+                  <a:srgbClr val="0432FF"/>
+                </a:solidFill>
+              </a:rPr>
+              <a:t>R</a:t>
+            </a:r>
+            <a:r>
+              <a:rPr lang="en-US" sz="2000" i="1" dirty="0">
+                <a:solidFill>
+                  <a:srgbClr val="0432FF"/>
+                </a:solidFill>
+              </a:rPr>
+              <a:t>ed</a:t>
+            </a:r>
+          </a:p>
+        </p:txBody>
+      </p:sp>
+      <p:sp>
+        <p:nvSpPr>
+          <p:cNvPr id="12" name="TextBox 11"/>
+          <p:cNvSpPr txBox="1"/>
+          <p:nvPr/>
+        </p:nvSpPr>
+        <p:spPr>
+          <a:xfrm>
+            <a:off x="7371114" y="1234042"/>
+            <a:ext cx="913905" cy="400110"/>
+          </a:xfrm>
+          <a:prstGeom prst="rect">
+            <a:avLst/>
+          </a:prstGeom>
+          <a:noFill/>
+        </p:spPr>
+        <p:txBody>
+          <a:bodyPr wrap="none" rtlCol="0">
+            <a:spAutoFit/>
+          </a:bodyPr>
+          <a:lstStyle/>
+          <a:p>
+            <a:r>
+              <a:rPr lang="en-US" sz="2000" b="1" i="1" dirty="0">
+                <a:solidFill>
+                  <a:srgbClr val="0432FF"/>
+                </a:solidFill>
+              </a:rPr>
+              <a:t>S</a:t>
+            </a:r>
+            <a:r>
+              <a:rPr lang="en-US" sz="2000" i="1" dirty="0">
+                <a:solidFill>
+                  <a:srgbClr val="0432FF"/>
+                </a:solidFill>
+              </a:rPr>
+              <a:t>quare</a:t>
+            </a:r>
+          </a:p>
+        </p:txBody>
+      </p:sp>
+      <p:sp>
+        <p:nvSpPr>
+          <p:cNvPr id="13" name="TextBox 12"/>
+          <p:cNvSpPr txBox="1"/>
+          <p:nvPr/>
+        </p:nvSpPr>
+        <p:spPr>
+          <a:xfrm>
+            <a:off x="8879806" y="1234042"/>
+            <a:ext cx="889987" cy="400110"/>
+          </a:xfrm>
+          <a:prstGeom prst="rect">
+            <a:avLst/>
+          </a:prstGeom>
+          <a:noFill/>
+        </p:spPr>
+        <p:txBody>
+          <a:bodyPr wrap="none" rtlCol="0">
+            <a:spAutoFit/>
+          </a:bodyPr>
+          <a:lstStyle/>
+          <a:p>
+            <a:r>
+              <a:rPr lang="en-US" sz="2000" b="1" i="1" dirty="0">
+                <a:solidFill>
+                  <a:srgbClr val="0432FF"/>
+                </a:solidFill>
+              </a:rPr>
+              <a:t>B</a:t>
+            </a:r>
+            <a:r>
+              <a:rPr lang="en-US" sz="2000" i="1" dirty="0">
+                <a:solidFill>
+                  <a:srgbClr val="0432FF"/>
+                </a:solidFill>
+              </a:rPr>
+              <a:t>order</a:t>
+            </a:r>
+          </a:p>
+        </p:txBody>
+      </p:sp>
+      <p:sp>
+        <p:nvSpPr>
+          <p:cNvPr id="14" name="TextBox 13"/>
+          <p:cNvSpPr txBox="1"/>
+          <p:nvPr/>
+        </p:nvSpPr>
+        <p:spPr>
+          <a:xfrm>
+            <a:off x="10132144" y="1234042"/>
+            <a:ext cx="766557" cy="400110"/>
+          </a:xfrm>
+          <a:prstGeom prst="rect">
+            <a:avLst/>
+          </a:prstGeom>
+          <a:noFill/>
+        </p:spPr>
+        <p:txBody>
+          <a:bodyPr wrap="none" rtlCol="0">
+            <a:spAutoFit/>
+          </a:bodyPr>
+          <a:lstStyle/>
+          <a:p>
+            <a:r>
+              <a:rPr lang="en-US" sz="2000" b="1" i="1" dirty="0">
+                <a:solidFill>
+                  <a:srgbClr val="0432FF"/>
+                </a:solidFill>
+              </a:rPr>
+              <a:t>L</a:t>
+            </a:r>
+            <a:r>
+              <a:rPr lang="en-US" sz="2000" i="1" dirty="0">
+                <a:solidFill>
+                  <a:srgbClr val="0432FF"/>
+                </a:solidFill>
+              </a:rPr>
+              <a:t>arge</a:t>
+            </a:r>
+          </a:p>
+        </p:txBody>
+      </p:sp>
+      <p:grpSp>
+        <p:nvGrpSpPr>
+          <p:cNvPr id="36" name="Group 35"/>
+          <p:cNvGrpSpPr/>
+          <p:nvPr/>
+        </p:nvGrpSpPr>
+        <p:grpSpPr>
+          <a:xfrm>
+            <a:off x="206199" y="1906624"/>
+            <a:ext cx="4913734" cy="923330"/>
+            <a:chOff x="6943997" y="5712149"/>
+            <a:chExt cx="4913734" cy="923330"/>
+          </a:xfrm>
+        </p:grpSpPr>
+        <p:sp>
+          <p:nvSpPr>
+            <p:cNvPr id="31" name="TextBox 30"/>
+            <p:cNvSpPr txBox="1"/>
+            <p:nvPr/>
+          </p:nvSpPr>
+          <p:spPr>
+            <a:xfrm>
+              <a:off x="6943997" y="5712149"/>
+              <a:ext cx="830677" cy="923330"/>
+            </a:xfrm>
+            <a:prstGeom prst="rect">
+              <a:avLst/>
+            </a:prstGeom>
+            <a:solidFill>
+              <a:srgbClr val="FF7E79"/>
+            </a:solidFill>
+            <a:ln w="38100">
+              <a:solidFill>
+                <a:schemeClr val="tx1"/>
+              </a:solidFill>
+            </a:ln>
+          </p:spPr>
+          <p:txBody>
+            <a:bodyPr wrap="none" rtlCol="0">
+              <a:spAutoFit/>
+            </a:bodyPr>
+            <a:lstStyle/>
+            <a:p>
+              <a:endParaRPr lang="en-US" dirty="0"/>
+            </a:p>
+            <a:p>
+              <a:r>
+                <a:rPr lang="en-US" dirty="0"/>
+                <a:t>     1     </a:t>
+              </a:r>
+            </a:p>
+            <a:p>
+              <a:endParaRPr lang="en-US" dirty="0"/>
+            </a:p>
+          </p:txBody>
+        </p:sp>
+        <p:sp>
+          <p:nvSpPr>
+            <p:cNvPr id="32" name="TextBox 31"/>
+            <p:cNvSpPr txBox="1"/>
+            <p:nvPr/>
+          </p:nvSpPr>
+          <p:spPr>
+            <a:xfrm>
+              <a:off x="8076079" y="5712149"/>
+              <a:ext cx="777777" cy="923330"/>
+            </a:xfrm>
+            <a:prstGeom prst="rect">
+              <a:avLst/>
+            </a:prstGeom>
+            <a:solidFill>
+              <a:srgbClr val="06F500"/>
+            </a:solidFill>
+            <a:ln w="38100">
+              <a:solidFill>
+                <a:schemeClr val="tx1"/>
+              </a:solidFill>
+            </a:ln>
+          </p:spPr>
+          <p:txBody>
+            <a:bodyPr wrap="none" rtlCol="0">
+              <a:spAutoFit/>
+            </a:bodyPr>
+            <a:lstStyle/>
+            <a:p>
+              <a:endParaRPr lang="en-US" dirty="0"/>
+            </a:p>
+            <a:p>
+              <a:r>
+                <a:rPr lang="en-US" dirty="0"/>
+                <a:t>     2    </a:t>
+              </a:r>
+            </a:p>
+            <a:p>
+              <a:endParaRPr lang="en-US" dirty="0"/>
+            </a:p>
+          </p:txBody>
+        </p:sp>
+        <p:sp>
+          <p:nvSpPr>
+            <p:cNvPr id="33" name="TextBox 32"/>
+            <p:cNvSpPr txBox="1"/>
+            <p:nvPr/>
+          </p:nvSpPr>
+          <p:spPr>
+            <a:xfrm>
+              <a:off x="10371066" y="5712149"/>
+              <a:ext cx="830677" cy="923330"/>
+            </a:xfrm>
+            <a:prstGeom prst="rect">
+              <a:avLst/>
+            </a:prstGeom>
+            <a:solidFill>
+              <a:srgbClr val="FF7E79"/>
+            </a:solidFill>
+            <a:ln w="38100">
+              <a:noFill/>
+            </a:ln>
+          </p:spPr>
+          <p:txBody>
+            <a:bodyPr wrap="none" rtlCol="0">
+              <a:spAutoFit/>
+            </a:bodyPr>
+            <a:lstStyle/>
+            <a:p>
+              <a:endParaRPr lang="en-US" dirty="0"/>
+            </a:p>
+            <a:p>
+              <a:r>
+                <a:rPr lang="en-US" dirty="0"/>
+                <a:t>     4     </a:t>
+              </a:r>
+            </a:p>
+            <a:p>
+              <a:endParaRPr lang="en-US" dirty="0"/>
+            </a:p>
+          </p:txBody>
+        </p:sp>
+        <p:sp>
+          <p:nvSpPr>
+            <p:cNvPr id="34" name="TextBox 33"/>
+            <p:cNvSpPr txBox="1"/>
+            <p:nvPr/>
+          </p:nvSpPr>
+          <p:spPr>
+            <a:xfrm>
+              <a:off x="11503147" y="5989148"/>
+              <a:ext cx="354584" cy="369332"/>
+            </a:xfrm>
+            <a:prstGeom prst="rect">
+              <a:avLst/>
+            </a:prstGeom>
+            <a:solidFill>
+              <a:srgbClr val="FF7E79"/>
+            </a:solidFill>
+            <a:ln w="38100">
+              <a:solidFill>
+                <a:schemeClr val="tx1"/>
+              </a:solidFill>
+            </a:ln>
+          </p:spPr>
+          <p:txBody>
+            <a:bodyPr wrap="none" rtlCol="0">
+              <a:spAutoFit/>
+            </a:bodyPr>
+            <a:lstStyle/>
+            <a:p>
+              <a:r>
+                <a:rPr lang="en-US" dirty="0"/>
+                <a:t> 5</a:t>
+              </a:r>
+            </a:p>
+          </p:txBody>
+        </p:sp>
+        <p:sp>
+          <p:nvSpPr>
+            <p:cNvPr id="35" name="Oval 34"/>
+            <p:cNvSpPr/>
+            <p:nvPr/>
+          </p:nvSpPr>
+          <p:spPr>
+            <a:xfrm>
+              <a:off x="9155261" y="5716614"/>
+              <a:ext cx="914400" cy="914400"/>
+            </a:xfrm>
+            <a:prstGeom prst="ellipse">
+              <a:avLst/>
+            </a:prstGeom>
+            <a:solidFill>
+              <a:srgbClr val="FF7E79"/>
+            </a:solidFill>
+            <a:ln w="38100">
+              <a:solidFill>
+                <a:schemeClr val="tx1"/>
+              </a:solidFill>
+            </a:ln>
+          </p:spPr>
+          <p:style>
+            <a:lnRef idx="2">
+              <a:schemeClr val="accent1">
+                <a:shade val="50000"/>
+              </a:schemeClr>
+            </a:lnRef>
+            <a:fillRef idx="1">
+              <a:schemeClr val="accent1"/>
+            </a:fillRef>
+            <a:effectRef idx="0">
+              <a:schemeClr val="accent1"/>
+            </a:effectRef>
+            <a:fontRef idx="minor">
+              <a:schemeClr val="lt1"/>
+            </a:fontRef>
+          </p:style>
+          <p:txBody>
+            <a:bodyPr rtlCol="0" anchor="ctr"/>
+            <a:lstStyle/>
+            <a:p>
+              <a:pPr algn="ctr"/>
+              <a:r>
+                <a:rPr lang="en-US">
+                  <a:solidFill>
+                    <a:schemeClr val="tx1"/>
+                  </a:solidFill>
+                </a:rPr>
+                <a:t>3</a:t>
+              </a:r>
+            </a:p>
+          </p:txBody>
+        </p:sp>
+      </p:grpSp>
+      <p:sp>
+        <p:nvSpPr>
+          <p:cNvPr id="38" name="Title 37"/>
+          <p:cNvSpPr>
+            <a:spLocks noGrp="1"/>
+          </p:cNvSpPr>
+          <p:nvPr>
+            <p:ph type="title"/>
+          </p:nvPr>
+        </p:nvSpPr>
+        <p:spPr>
+          <a:xfrm>
+            <a:off x="232558" y="122148"/>
+            <a:ext cx="10515600" cy="1325563"/>
+          </a:xfrm>
+        </p:spPr>
+        <p:txBody>
+          <a:bodyPr/>
+          <a:lstStyle/>
+          <a:p>
+            <a:r>
+              <a:rPr lang="en-US" b="1" dirty="0"/>
+              <a:t>WODB? FCA to the rescue..</a:t>
+            </a:r>
+          </a:p>
+        </p:txBody>
+      </p:sp>
+      <p:sp>
+        <p:nvSpPr>
+          <p:cNvPr id="39" name="Content Placeholder 38"/>
+          <p:cNvSpPr>
+            <a:spLocks noGrp="1"/>
+          </p:cNvSpPr>
+          <p:nvPr>
+            <p:ph idx="1"/>
+          </p:nvPr>
+        </p:nvSpPr>
+        <p:spPr>
+          <a:xfrm>
+            <a:off x="109476" y="1205924"/>
+            <a:ext cx="5480235" cy="5623958"/>
+          </a:xfrm>
+        </p:spPr>
+        <p:txBody>
+          <a:bodyPr>
+            <a:normAutofit lnSpcReduction="10000"/>
+          </a:bodyPr>
+          <a:lstStyle/>
+          <a:p>
+            <a:r>
+              <a:rPr lang="en-US" sz="2400" dirty="0"/>
+              <a:t>Which of the 5 figures doesn’t belong?</a:t>
+            </a:r>
+          </a:p>
+          <a:p>
+            <a:endParaRPr lang="en-US" sz="2400" dirty="0"/>
+          </a:p>
+          <a:p>
+            <a:endParaRPr lang="en-US" sz="2400" dirty="0"/>
+          </a:p>
+          <a:p>
+            <a:endParaRPr lang="en-US" sz="2400" dirty="0"/>
+          </a:p>
+          <a:p>
+            <a:endParaRPr lang="en-US" sz="2400" b="1" i="1" dirty="0"/>
+          </a:p>
+          <a:p>
+            <a:r>
+              <a:rPr lang="en-US" sz="2400" b="1" i="1" dirty="0"/>
+              <a:t>F</a:t>
+            </a:r>
+            <a:r>
+              <a:rPr lang="en-US" sz="2400" i="1" dirty="0"/>
+              <a:t>ormal </a:t>
+            </a:r>
+            <a:r>
+              <a:rPr lang="en-US" sz="2400" b="1" i="1" dirty="0"/>
+              <a:t>C</a:t>
+            </a:r>
+            <a:r>
+              <a:rPr lang="en-US" sz="2400" i="1" dirty="0"/>
+              <a:t>oncept </a:t>
+            </a:r>
+            <a:r>
+              <a:rPr lang="en-US" sz="2400" b="1" i="1" dirty="0"/>
+              <a:t>A</a:t>
+            </a:r>
+            <a:r>
+              <a:rPr lang="en-US" sz="2400" i="1" dirty="0"/>
+              <a:t>nalysis </a:t>
+            </a:r>
+            <a:r>
+              <a:rPr lang="en-US" sz="2400" dirty="0"/>
+              <a:t>can tell!</a:t>
+            </a:r>
+          </a:p>
+          <a:p>
+            <a:endParaRPr lang="en-US" sz="2400" dirty="0"/>
+          </a:p>
+          <a:p>
+            <a:r>
+              <a:rPr lang="en-US" sz="2400" dirty="0"/>
+              <a:t>Figures 2,3,4,5 all have </a:t>
+            </a:r>
+            <a:r>
+              <a:rPr lang="is-IS" sz="2400" dirty="0"/>
+              <a:t>…</a:t>
+            </a:r>
+            <a:endParaRPr lang="en-US" sz="2400" dirty="0"/>
+          </a:p>
+          <a:p>
+            <a:pPr lvl="1"/>
+            <a:r>
+              <a:rPr lang="en-US" sz="2000" dirty="0"/>
+              <a:t>have 3 out of 4 </a:t>
+            </a:r>
+            <a:r>
+              <a:rPr lang="en-US" sz="2000" dirty="0">
+                <a:solidFill>
+                  <a:srgbClr val="0432FF"/>
+                </a:solidFill>
+              </a:rPr>
+              <a:t>common properties</a:t>
+            </a:r>
+          </a:p>
+          <a:p>
+            <a:pPr lvl="1"/>
+            <a:r>
+              <a:rPr lang="en-US" sz="2000" dirty="0"/>
+              <a:t>have 1 out of 4 </a:t>
+            </a:r>
+            <a:r>
+              <a:rPr lang="en-US" sz="2000" dirty="0">
+                <a:solidFill>
+                  <a:srgbClr val="C00000"/>
+                </a:solidFill>
+              </a:rPr>
+              <a:t>“special” properties</a:t>
+            </a:r>
+          </a:p>
+          <a:p>
+            <a:endParaRPr lang="en-US" sz="2400" dirty="0"/>
+          </a:p>
+          <a:p>
+            <a:r>
+              <a:rPr lang="en-US" sz="2400" dirty="0"/>
+              <a:t>Figure 1 is special because it </a:t>
+            </a:r>
+            <a:r>
+              <a:rPr lang="is-IS" sz="2400" dirty="0"/>
+              <a:t>…</a:t>
+            </a:r>
+          </a:p>
+          <a:p>
+            <a:pPr lvl="1"/>
+            <a:r>
+              <a:rPr lang="en-US" sz="2000" dirty="0"/>
+              <a:t>h</a:t>
+            </a:r>
+            <a:r>
+              <a:rPr lang="is-IS" sz="2000" dirty="0"/>
+              <a:t>as 4 out of 4 </a:t>
+            </a:r>
+            <a:r>
+              <a:rPr lang="is-IS" sz="2000" dirty="0">
+                <a:solidFill>
+                  <a:srgbClr val="0432FF"/>
+                </a:solidFill>
+              </a:rPr>
+              <a:t>common properties</a:t>
+            </a:r>
+          </a:p>
+          <a:p>
+            <a:pPr lvl="1"/>
+            <a:r>
+              <a:rPr lang="is-IS" sz="2000" dirty="0"/>
+              <a:t>has 0 out of 4 </a:t>
+            </a:r>
+            <a:r>
+              <a:rPr lang="is-IS" sz="2000" dirty="0">
+                <a:solidFill>
+                  <a:srgbClr val="C00000"/>
+                </a:solidFill>
+              </a:rPr>
+              <a:t>“special” properties</a:t>
+            </a:r>
+            <a:endParaRPr lang="en-US" sz="2000" dirty="0">
+              <a:solidFill>
+                <a:srgbClr val="C00000"/>
+              </a:solidFill>
+            </a:endParaRPr>
+          </a:p>
+        </p:txBody>
+      </p:sp>
+      <p:sp>
+        <p:nvSpPr>
+          <p:cNvPr id="40" name="TextBox 39"/>
+          <p:cNvSpPr txBox="1"/>
+          <p:nvPr/>
+        </p:nvSpPr>
+        <p:spPr>
+          <a:xfrm>
+            <a:off x="5907847" y="5135528"/>
+            <a:ext cx="1200970" cy="400110"/>
+          </a:xfrm>
+          <a:prstGeom prst="rect">
+            <a:avLst/>
+          </a:prstGeom>
+          <a:noFill/>
+        </p:spPr>
+        <p:txBody>
+          <a:bodyPr wrap="none" rtlCol="0">
+            <a:spAutoFit/>
+          </a:bodyPr>
+          <a:lstStyle/>
+          <a:p>
+            <a:r>
+              <a:rPr lang="en-US" sz="2000" b="1" i="1" dirty="0">
+                <a:solidFill>
+                  <a:srgbClr val="C00000"/>
+                </a:solidFill>
+              </a:rPr>
+              <a:t>not</a:t>
+            </a:r>
+            <a:r>
+              <a:rPr lang="en-US" sz="2000" i="1" dirty="0">
+                <a:solidFill>
+                  <a:srgbClr val="C00000"/>
+                </a:solidFill>
+              </a:rPr>
+              <a:t>-Large</a:t>
+            </a:r>
+          </a:p>
+        </p:txBody>
+      </p:sp>
+      <p:sp>
+        <p:nvSpPr>
+          <p:cNvPr id="44" name="TextBox 43"/>
+          <p:cNvSpPr txBox="1"/>
+          <p:nvPr/>
+        </p:nvSpPr>
+        <p:spPr>
+          <a:xfrm>
+            <a:off x="7350069" y="5135528"/>
+            <a:ext cx="1321196" cy="400110"/>
+          </a:xfrm>
+          <a:prstGeom prst="rect">
+            <a:avLst/>
+          </a:prstGeom>
+          <a:noFill/>
+        </p:spPr>
+        <p:txBody>
+          <a:bodyPr wrap="none" rtlCol="0">
+            <a:spAutoFit/>
+          </a:bodyPr>
+          <a:lstStyle/>
+          <a:p>
+            <a:r>
+              <a:rPr lang="en-US" sz="2000" b="1" i="1" dirty="0">
+                <a:solidFill>
+                  <a:srgbClr val="C00000"/>
+                </a:solidFill>
+              </a:rPr>
+              <a:t>not</a:t>
+            </a:r>
+            <a:r>
+              <a:rPr lang="en-US" sz="2000" i="1" dirty="0">
+                <a:solidFill>
+                  <a:srgbClr val="C00000"/>
+                </a:solidFill>
+              </a:rPr>
+              <a:t>-Border</a:t>
+            </a:r>
+          </a:p>
+        </p:txBody>
+      </p:sp>
+      <p:sp>
+        <p:nvSpPr>
+          <p:cNvPr id="45" name="TextBox 44"/>
+          <p:cNvSpPr txBox="1"/>
+          <p:nvPr/>
+        </p:nvSpPr>
+        <p:spPr>
+          <a:xfrm>
+            <a:off x="8696689" y="5135528"/>
+            <a:ext cx="1337417" cy="400110"/>
+          </a:xfrm>
+          <a:prstGeom prst="rect">
+            <a:avLst/>
+          </a:prstGeom>
+          <a:noFill/>
+        </p:spPr>
+        <p:txBody>
+          <a:bodyPr wrap="none" rtlCol="0">
+            <a:spAutoFit/>
+          </a:bodyPr>
+          <a:lstStyle/>
+          <a:p>
+            <a:r>
+              <a:rPr lang="en-US" sz="2000" b="1" i="1" dirty="0">
+                <a:solidFill>
+                  <a:srgbClr val="C00000"/>
+                </a:solidFill>
+              </a:rPr>
+              <a:t>not</a:t>
+            </a:r>
+            <a:r>
+              <a:rPr lang="en-US" sz="2000" i="1" dirty="0">
+                <a:solidFill>
+                  <a:srgbClr val="C00000"/>
+                </a:solidFill>
+              </a:rPr>
+              <a:t>-Square</a:t>
+            </a:r>
+          </a:p>
+        </p:txBody>
+      </p:sp>
+      <p:sp>
+        <p:nvSpPr>
+          <p:cNvPr id="47" name="TextBox 46"/>
+          <p:cNvSpPr txBox="1"/>
+          <p:nvPr/>
+        </p:nvSpPr>
+        <p:spPr>
+          <a:xfrm>
+            <a:off x="10301263" y="5135528"/>
+            <a:ext cx="960712" cy="400110"/>
+          </a:xfrm>
+          <a:prstGeom prst="rect">
+            <a:avLst/>
+          </a:prstGeom>
+          <a:noFill/>
+        </p:spPr>
+        <p:txBody>
+          <a:bodyPr wrap="none" rtlCol="0">
+            <a:spAutoFit/>
+          </a:bodyPr>
+          <a:lstStyle/>
+          <a:p>
+            <a:r>
+              <a:rPr lang="en-US" sz="2000" b="1" i="1" dirty="0">
+                <a:solidFill>
+                  <a:srgbClr val="C00000"/>
+                </a:solidFill>
+              </a:rPr>
+              <a:t>not</a:t>
+            </a:r>
+            <a:r>
+              <a:rPr lang="en-US" sz="2000" i="1" dirty="0">
+                <a:solidFill>
+                  <a:srgbClr val="C00000"/>
+                </a:solidFill>
+              </a:rPr>
+              <a:t>-red</a:t>
+            </a:r>
+          </a:p>
+        </p:txBody>
+      </p:sp>
+      <p:sp>
+        <p:nvSpPr>
+          <p:cNvPr id="2" name="TextBox 1">
+            <a:extLst>
+              <a:ext uri="{FF2B5EF4-FFF2-40B4-BE49-F238E27FC236}">
+                <a16:creationId xmlns:a16="http://schemas.microsoft.com/office/drawing/2014/main" id="{E948FEA7-317C-DF47-8AB7-D569530F7512}"/>
+              </a:ext>
+            </a:extLst>
+          </p:cNvPr>
+          <p:cNvSpPr txBox="1"/>
+          <p:nvPr/>
+        </p:nvSpPr>
+        <p:spPr>
+          <a:xfrm>
+            <a:off x="9537358" y="5631771"/>
+            <a:ext cx="2648354" cy="1077218"/>
+          </a:xfrm>
+          <a:prstGeom prst="rect">
+            <a:avLst/>
+          </a:prstGeom>
+          <a:noFill/>
+        </p:spPr>
+        <p:txBody>
+          <a:bodyPr wrap="square" rtlCol="0">
+            <a:spAutoFit/>
+          </a:bodyPr>
+          <a:lstStyle/>
+          <a:p>
+            <a:r>
+              <a:rPr lang="en-US" sz="1600" i="1" dirty="0"/>
+              <a:t>We can understand the justification easily using a </a:t>
+            </a:r>
+            <a:r>
+              <a:rPr lang="en-US" sz="1600" b="1" i="1" dirty="0"/>
+              <a:t>second-order model</a:t>
+            </a:r>
+            <a:r>
+              <a:rPr lang="en-US" sz="1600" i="1" dirty="0"/>
+              <a:t>, i.e., looking at </a:t>
+            </a:r>
+            <a:r>
+              <a:rPr lang="en-US" sz="1600" b="1" i="1" dirty="0"/>
+              <a:t>sets of properties</a:t>
+            </a:r>
+            <a:r>
+              <a:rPr lang="en-US" sz="1600" i="1" dirty="0"/>
+              <a:t>.</a:t>
+            </a:r>
+          </a:p>
+        </p:txBody>
+      </p:sp>
+    </p:spTree>
+    <p:extLst>
+      <p:ext uri="{BB962C8B-B14F-4D97-AF65-F5344CB8AC3E}">
+        <p14:creationId xmlns:p14="http://schemas.microsoft.com/office/powerpoint/2010/main" val="4213968935"/>
       </p:ext>
     </p:extLst>
   </p:cSld>
